--- a/결과보고서_B11팀(벽돌깨기).pptx
+++ b/결과보고서_B11팀(벽돌깨기).pptx
@@ -9,13 +9,12 @@
     <p:sldId id="266" r:id="rId3"/>
     <p:sldId id="257" r:id="rId4"/>
     <p:sldId id="258" r:id="rId5"/>
-    <p:sldId id="265" r:id="rId6"/>
-    <p:sldId id="259" r:id="rId7"/>
-    <p:sldId id="260" r:id="rId8"/>
-    <p:sldId id="261" r:id="rId9"/>
-    <p:sldId id="262" r:id="rId10"/>
-    <p:sldId id="263" r:id="rId11"/>
-    <p:sldId id="264" r:id="rId12"/>
+    <p:sldId id="259" r:id="rId6"/>
+    <p:sldId id="260" r:id="rId7"/>
+    <p:sldId id="261" r:id="rId8"/>
+    <p:sldId id="262" r:id="rId9"/>
+    <p:sldId id="263" r:id="rId10"/>
+    <p:sldId id="264" r:id="rId11"/>
   </p:sldIdLst>
   <p:sldSz cx="12192000" cy="6858000"/>
   <p:notesSz cx="6858000" cy="9144000"/>
@@ -10260,186 +10259,6 @@
 </p:sld>
 </file>
 
-<file path=ppt/slides/slide10.xml><?xml version="1.0" encoding="utf-8"?>
-<p:sld xmlns:a="http://schemas.openxmlformats.org/drawingml/2006/main" xmlns:r="http://schemas.openxmlformats.org/officeDocument/2006/relationships" xmlns:p="http://schemas.openxmlformats.org/presentationml/2006/main">
-  <p:cSld>
-    <p:spTree>
-      <p:nvGrpSpPr>
-        <p:cNvPr id="1" name=""/>
-        <p:cNvGrpSpPr/>
-        <p:nvPr/>
-      </p:nvGrpSpPr>
-      <p:grpSpPr>
-        <a:xfrm>
-          <a:off x="0" y="0"/>
-          <a:ext cx="0" cy="0"/>
-          <a:chOff x="0" y="0"/>
-          <a:chExt cx="0" cy="0"/>
-        </a:xfrm>
-      </p:grpSpPr>
-      <p:sp>
-        <p:nvSpPr>
-          <p:cNvPr id="2" name="제목 1">
-            <a:extLst>
-              <a:ext uri="{FF2B5EF4-FFF2-40B4-BE49-F238E27FC236}">
-                <a16:creationId xmlns:a16="http://schemas.microsoft.com/office/drawing/2014/main" id="{0D40647E-B5FB-428C-EF5B-39B5813E24B1}"/>
-              </a:ext>
-            </a:extLst>
-          </p:cNvPr>
-          <p:cNvSpPr>
-            <a:spLocks noGrp="1"/>
-          </p:cNvSpPr>
-          <p:nvPr>
-            <p:ph type="title"/>
-          </p:nvPr>
-        </p:nvSpPr>
-        <p:spPr/>
-        <p:txBody>
-          <a:bodyPr/>
-          <a:lstStyle/>
-          <a:p>
-            <a:r>
-              <a:rPr lang="ko-KR" altLang="en-US" dirty="0"/>
-              <a:t>자체 평가 의견</a:t>
-            </a:r>
-          </a:p>
-        </p:txBody>
-      </p:sp>
-      <p:sp>
-        <p:nvSpPr>
-          <p:cNvPr id="3" name="내용 개체 틀 2">
-            <a:extLst>
-              <a:ext uri="{FF2B5EF4-FFF2-40B4-BE49-F238E27FC236}">
-                <a16:creationId xmlns:a16="http://schemas.microsoft.com/office/drawing/2014/main" id="{728D1B4F-C690-45C6-EB14-30D8D683D742}"/>
-              </a:ext>
-            </a:extLst>
-          </p:cNvPr>
-          <p:cNvSpPr>
-            <a:spLocks noGrp="1"/>
-          </p:cNvSpPr>
-          <p:nvPr>
-            <p:ph idx="1"/>
-          </p:nvPr>
-        </p:nvSpPr>
-        <p:spPr/>
-        <p:txBody>
-          <a:bodyPr/>
-          <a:lstStyle/>
-          <a:p>
-            <a:r>
-              <a:rPr lang="ko-KR" altLang="en-US" dirty="0"/>
-              <a:t>완성도</a:t>
-            </a:r>
-            <a:r>
-              <a:rPr lang="en-US" altLang="ko-KR" dirty="0"/>
-              <a:t>: 6/10</a:t>
-            </a:r>
-          </a:p>
-          <a:p>
-            <a:r>
-              <a:rPr lang="ko-KR" altLang="en-US" dirty="0"/>
-              <a:t>잘한 부분</a:t>
-            </a:r>
-            <a:r>
-              <a:rPr lang="en-US" altLang="ko-KR" dirty="0"/>
-              <a:t>: </a:t>
-            </a:r>
-            <a:r>
-              <a:rPr lang="ko-KR" altLang="en-US" dirty="0"/>
-              <a:t>각자 맡은 일 잘 해낸 것</a:t>
-            </a:r>
-            <a:r>
-              <a:rPr lang="en-US" altLang="ko-KR" dirty="0"/>
-              <a:t>, </a:t>
-            </a:r>
-            <a:r>
-              <a:rPr lang="ko-KR" altLang="en-US" dirty="0"/>
-              <a:t>어려움이 있을 때 적극적으로 소통한 것</a:t>
-            </a:r>
-            <a:endParaRPr lang="en-US" altLang="ko-KR" dirty="0"/>
-          </a:p>
-          <a:p>
-            <a:r>
-              <a:rPr lang="ko-KR" altLang="en-US" dirty="0"/>
-              <a:t>아쉬운 점</a:t>
-            </a:r>
-            <a:r>
-              <a:rPr lang="en-US" altLang="ko-KR" dirty="0"/>
-              <a:t>: </a:t>
-            </a:r>
-            <a:r>
-              <a:rPr lang="ko-KR" altLang="en-US" dirty="0"/>
-              <a:t>각종 어려움으로 인해 진행 속도가 </a:t>
-            </a:r>
-            <a:r>
-              <a:rPr lang="ko-KR" altLang="en-US" dirty="0" err="1"/>
-              <a:t>느렸던</a:t>
-            </a:r>
-            <a:r>
-              <a:rPr lang="ko-KR" altLang="en-US" dirty="0"/>
-              <a:t> 것</a:t>
-            </a:r>
-            <a:endParaRPr lang="en-US" altLang="ko-KR" dirty="0"/>
-          </a:p>
-          <a:p>
-            <a:r>
-              <a:rPr lang="ko-KR" altLang="en-US" dirty="0"/>
-              <a:t>느낀 점</a:t>
-            </a:r>
-            <a:r>
-              <a:rPr lang="en-US" altLang="ko-KR" dirty="0"/>
-              <a:t>: </a:t>
-            </a:r>
-            <a:r>
-              <a:rPr lang="ko-KR" altLang="en-US" dirty="0"/>
-              <a:t>유니티의 기초를 잘 다져야 하다는 생각이 들었다</a:t>
-            </a:r>
-            <a:r>
-              <a:rPr lang="en-US" altLang="ko-KR" dirty="0"/>
-              <a:t>.</a:t>
-            </a:r>
-          </a:p>
-          <a:p>
-            <a:r>
-              <a:rPr lang="ko-KR" altLang="en-US" dirty="0"/>
-              <a:t>개선할 점</a:t>
-            </a:r>
-            <a:r>
-              <a:rPr lang="en-US" altLang="ko-KR" dirty="0"/>
-              <a:t>: </a:t>
-            </a:r>
-            <a:r>
-              <a:rPr lang="ko-KR" altLang="en-US" dirty="0"/>
-              <a:t>아이템 추가</a:t>
-            </a:r>
-            <a:r>
-              <a:rPr lang="en-US" altLang="ko-KR" dirty="0"/>
-              <a:t>, </a:t>
-            </a:r>
-            <a:r>
-              <a:rPr lang="ko-KR" altLang="en-US" dirty="0"/>
-              <a:t>게임 로직 최적화 등</a:t>
-            </a:r>
-            <a:endParaRPr lang="en-US" altLang="ko-KR"/>
-          </a:p>
-          <a:p>
-            <a:endParaRPr lang="ko-KR" altLang="en-US" dirty="0"/>
-          </a:p>
-        </p:txBody>
-      </p:sp>
-    </p:spTree>
-    <p:extLst>
-      <p:ext uri="{BB962C8B-B14F-4D97-AF65-F5344CB8AC3E}">
-        <p14:creationId xmlns:p14="http://schemas.microsoft.com/office/powerpoint/2010/main" val="121622213"/>
-      </p:ext>
-    </p:extLst>
-  </p:cSld>
-  <p:clrMapOvr>
-    <a:masterClrMapping/>
-  </p:clrMapOvr>
-</p:sld>
-</file>
-
 <file path=ppt/slides/slide2.xml><?xml version="1.0" encoding="utf-8"?>
 <p:sld xmlns:a="http://schemas.openxmlformats.org/drawingml/2006/main" xmlns:r="http://schemas.openxmlformats.org/officeDocument/2006/relationships" xmlns:p="http://schemas.openxmlformats.org/presentationml/2006/main">
   <p:cSld>
@@ -10765,7 +10584,7 @@
           <p:cNvPr id="2" name="제목 1">
             <a:extLst>
               <a:ext uri="{FF2B5EF4-FFF2-40B4-BE49-F238E27FC236}">
-                <a16:creationId xmlns:a16="http://schemas.microsoft.com/office/drawing/2014/main" id="{E44EFC29-F90E-B104-D7FD-DD4C4870C37E}"/>
+                <a16:creationId xmlns:a16="http://schemas.microsoft.com/office/drawing/2014/main" id="{9D683717-8FC8-E967-A825-E84648E4B461}"/>
               </a:ext>
             </a:extLst>
           </p:cNvPr>
@@ -10783,117 +10602,384 @@
           <a:p>
             <a:r>
               <a:rPr lang="ko-KR" altLang="en-US" dirty="0"/>
-              <a:t>프로젝트 개요 </a:t>
-            </a:r>
-            <a:r>
-              <a:rPr lang="en-US" altLang="ko-KR" dirty="0"/>
-              <a:t>– </a:t>
-            </a:r>
-            <a:r>
-              <a:rPr lang="ko-KR" altLang="en-US"/>
-              <a:t>진행일정</a:t>
-            </a:r>
-            <a:endParaRPr lang="ko-KR" altLang="en-US" dirty="0"/>
-          </a:p>
-        </p:txBody>
-      </p:sp>
-      <p:sp>
-        <p:nvSpPr>
-          <p:cNvPr id="3" name="내용 개체 틀 2">
+              <a:t>프로젝트 팀 구성 및 역할</a:t>
+            </a:r>
+          </a:p>
+        </p:txBody>
+      </p:sp>
+      <p:graphicFrame>
+        <p:nvGraphicFramePr>
+          <p:cNvPr id="4" name="내용 개체 틀 3">
             <a:extLst>
               <a:ext uri="{FF2B5EF4-FFF2-40B4-BE49-F238E27FC236}">
-                <a16:creationId xmlns:a16="http://schemas.microsoft.com/office/drawing/2014/main" id="{12D65336-F14A-53CE-D9C2-7886521829F0}"/>
+                <a16:creationId xmlns:a16="http://schemas.microsoft.com/office/drawing/2014/main" id="{DFAF2A29-5C7C-2821-CB5A-39A81F76D94A}"/>
               </a:ext>
             </a:extLst>
           </p:cNvPr>
-          <p:cNvSpPr>
-            <a:spLocks noGrp="1"/>
-          </p:cNvSpPr>
+          <p:cNvGraphicFramePr>
+            <a:graphicFrameLocks noGrp="1"/>
+          </p:cNvGraphicFramePr>
           <p:nvPr>
             <p:ph idx="1"/>
-          </p:nvPr>
-        </p:nvSpPr>
-        <p:spPr/>
-        <p:txBody>
-          <a:bodyPr/>
-          <a:lstStyle/>
-          <a:p>
-            <a:r>
-              <a:rPr lang="en-US" altLang="ko-KR" dirty="0"/>
-              <a:t>2024.5.16 – </a:t>
-            </a:r>
-            <a:r>
-              <a:rPr lang="ko-KR" altLang="en-US" dirty="0"/>
-              <a:t>역할 분담</a:t>
-            </a:r>
-            <a:r>
-              <a:rPr lang="en-US" altLang="ko-KR" dirty="0"/>
-              <a:t>, UML </a:t>
-            </a:r>
-            <a:r>
-              <a:rPr lang="ko-KR" altLang="en-US" dirty="0"/>
-              <a:t>작성</a:t>
-            </a:r>
-            <a:endParaRPr lang="en-US" altLang="ko-KR" dirty="0"/>
-          </a:p>
-          <a:p>
-            <a:r>
-              <a:rPr lang="en-US" altLang="ko-KR" dirty="0"/>
-              <a:t>2024.5.17 – </a:t>
-            </a:r>
-            <a:r>
-              <a:rPr lang="ko-KR" altLang="en-US" dirty="0"/>
-              <a:t>패들 구현</a:t>
-            </a:r>
-            <a:endParaRPr lang="en-US" altLang="ko-KR" dirty="0"/>
-          </a:p>
-          <a:p>
-            <a:r>
-              <a:rPr lang="en-US" altLang="ko-KR" dirty="0"/>
-              <a:t>2024.5.20 – </a:t>
-            </a:r>
-            <a:r>
-              <a:rPr lang="ko-KR" altLang="en-US" dirty="0"/>
-              <a:t>벽돌</a:t>
-            </a:r>
-            <a:r>
-              <a:rPr lang="en-US" altLang="ko-KR" dirty="0"/>
-              <a:t>, </a:t>
-            </a:r>
-            <a:r>
-              <a:rPr lang="ko-KR" altLang="en-US" dirty="0"/>
-              <a:t>공</a:t>
-            </a:r>
-            <a:r>
-              <a:rPr lang="en-US" altLang="ko-KR" dirty="0"/>
-              <a:t>, </a:t>
-            </a:r>
-            <a:r>
-              <a:rPr lang="ko-KR" altLang="en-US" dirty="0"/>
-              <a:t>게임 로직 구현</a:t>
-            </a:r>
-            <a:endParaRPr lang="en-US" altLang="ko-KR" dirty="0"/>
-          </a:p>
-          <a:p>
-            <a:r>
-              <a:rPr lang="en-US" altLang="ko-KR" dirty="0"/>
-              <a:t>2025.5.21~22 – </a:t>
-            </a:r>
-            <a:r>
-              <a:rPr lang="ko-KR" altLang="en-US" dirty="0"/>
-              <a:t>디버깅</a:t>
-            </a:r>
-            <a:endParaRPr lang="en-US" altLang="ko-KR" dirty="0"/>
-          </a:p>
-          <a:p>
-            <a:endParaRPr lang="en-US" altLang="ko-KR" dirty="0"/>
-          </a:p>
-        </p:txBody>
-      </p:sp>
+            <p:extLst>
+              <p:ext uri="{D42A27DB-BD31-4B8C-83A1-F6EECF244321}">
+                <p14:modId xmlns:p14="http://schemas.microsoft.com/office/powerpoint/2010/main" val="1869152688"/>
+              </p:ext>
+            </p:extLst>
+          </p:nvPr>
+        </p:nvGraphicFramePr>
+        <p:xfrm>
+          <a:off x="1450975" y="2016125"/>
+          <a:ext cx="9604374" cy="1854200"/>
+        </p:xfrm>
+        <a:graphic>
+          <a:graphicData uri="http://schemas.openxmlformats.org/drawingml/2006/table">
+            <a:tbl>
+              <a:tblPr firstRow="1" bandRow="1">
+                <a:tableStyleId>{5C22544A-7EE6-4342-B048-85BDC9FD1C3A}</a:tableStyleId>
+              </a:tblPr>
+              <a:tblGrid>
+                <a:gridCol w="1304925">
+                  <a:extLst>
+                    <a:ext uri="{9D8B030D-6E8A-4147-A177-3AD203B41FA5}">
+                      <a16:colId xmlns:a16="http://schemas.microsoft.com/office/drawing/2014/main" val="4260807865"/>
+                    </a:ext>
+                  </a:extLst>
+                </a:gridCol>
+                <a:gridCol w="1263650">
+                  <a:extLst>
+                    <a:ext uri="{9D8B030D-6E8A-4147-A177-3AD203B41FA5}">
+                      <a16:colId xmlns:a16="http://schemas.microsoft.com/office/drawing/2014/main" val="1669044856"/>
+                    </a:ext>
+                  </a:extLst>
+                </a:gridCol>
+                <a:gridCol w="7035799">
+                  <a:extLst>
+                    <a:ext uri="{9D8B030D-6E8A-4147-A177-3AD203B41FA5}">
+                      <a16:colId xmlns:a16="http://schemas.microsoft.com/office/drawing/2014/main" val="1653100482"/>
+                    </a:ext>
+                  </a:extLst>
+                </a:gridCol>
+              </a:tblGrid>
+              <a:tr h="370840">
+                <a:tc>
+                  <a:txBody>
+                    <a:bodyPr/>
+                    <a:lstStyle/>
+                    <a:p>
+                      <a:pPr latinLnBrk="1"/>
+                      <a:r>
+                        <a:rPr lang="ko-KR" altLang="en-US" dirty="0"/>
+                        <a:t>이름</a:t>
+                      </a:r>
+                    </a:p>
+                  </a:txBody>
+                  <a:tcPr/>
+                </a:tc>
+                <a:tc>
+                  <a:txBody>
+                    <a:bodyPr/>
+                    <a:lstStyle/>
+                    <a:p>
+                      <a:pPr latinLnBrk="1"/>
+                      <a:r>
+                        <a:rPr lang="ko-KR" altLang="en-US" dirty="0"/>
+                        <a:t>역할</a:t>
+                      </a:r>
+                    </a:p>
+                  </a:txBody>
+                  <a:tcPr/>
+                </a:tc>
+                <a:tc>
+                  <a:txBody>
+                    <a:bodyPr/>
+                    <a:lstStyle/>
+                    <a:p>
+                      <a:pPr latinLnBrk="1"/>
+                      <a:r>
+                        <a:rPr lang="ko-KR" altLang="en-US" dirty="0"/>
+                        <a:t>담당 업무</a:t>
+                      </a:r>
+                    </a:p>
+                  </a:txBody>
+                  <a:tcPr/>
+                </a:tc>
+                <a:extLst>
+                  <a:ext uri="{0D108BD9-81ED-4DB2-BD59-A6C34878D82A}">
+                    <a16:rowId xmlns:a16="http://schemas.microsoft.com/office/drawing/2014/main" val="290921363"/>
+                  </a:ext>
+                </a:extLst>
+              </a:tr>
+              <a:tr h="370840">
+                <a:tc>
+                  <a:txBody>
+                    <a:bodyPr/>
+                    <a:lstStyle/>
+                    <a:p>
+                      <a:pPr latinLnBrk="1"/>
+                      <a:r>
+                        <a:rPr lang="ko-KR" altLang="en-US" dirty="0" err="1"/>
+                        <a:t>박신환</a:t>
+                      </a:r>
+                      <a:endParaRPr lang="ko-KR" altLang="en-US" dirty="0"/>
+                    </a:p>
+                  </a:txBody>
+                  <a:tcPr/>
+                </a:tc>
+                <a:tc>
+                  <a:txBody>
+                    <a:bodyPr/>
+                    <a:lstStyle/>
+                    <a:p>
+                      <a:pPr latinLnBrk="1"/>
+                      <a:r>
+                        <a:rPr lang="ko-KR" altLang="en-US" dirty="0"/>
+                        <a:t>팀장</a:t>
+                      </a:r>
+                      <a:endParaRPr lang="en-US" altLang="ko-KR" dirty="0"/>
+                    </a:p>
+                  </a:txBody>
+                  <a:tcPr/>
+                </a:tc>
+                <a:tc>
+                  <a:txBody>
+                    <a:bodyPr/>
+                    <a:lstStyle/>
+                    <a:p>
+                      <a:pPr latinLnBrk="1"/>
+                      <a:r>
+                        <a:rPr lang="ko-KR" altLang="en-US" dirty="0"/>
+                        <a:t>팀원 역할 배정</a:t>
+                      </a:r>
+                      <a:r>
+                        <a:rPr lang="en-US" altLang="ko-KR" dirty="0"/>
+                        <a:t>,  UML </a:t>
+                      </a:r>
+                      <a:r>
+                        <a:rPr lang="ko-KR" altLang="en-US" dirty="0"/>
+                        <a:t>작성</a:t>
+                      </a:r>
+                      <a:r>
+                        <a:rPr lang="en-US" altLang="ko-KR" dirty="0"/>
+                        <a:t>, </a:t>
+                      </a:r>
+                      <a:r>
+                        <a:rPr lang="ko-KR" altLang="en-US" dirty="0"/>
+                        <a:t>패들 구현</a:t>
+                      </a:r>
+                      <a:endParaRPr lang="en-US" altLang="ko-KR" dirty="0"/>
+                    </a:p>
+                  </a:txBody>
+                  <a:tcPr/>
+                </a:tc>
+                <a:extLst>
+                  <a:ext uri="{0D108BD9-81ED-4DB2-BD59-A6C34878D82A}">
+                    <a16:rowId xmlns:a16="http://schemas.microsoft.com/office/drawing/2014/main" val="171758082"/>
+                  </a:ext>
+                </a:extLst>
+              </a:tr>
+              <a:tr h="370840">
+                <a:tc>
+                  <a:txBody>
+                    <a:bodyPr/>
+                    <a:lstStyle/>
+                    <a:p>
+                      <a:pPr latinLnBrk="1"/>
+                      <a:r>
+                        <a:rPr lang="ko-KR" altLang="en-US" dirty="0" err="1"/>
+                        <a:t>윤정빈</a:t>
+                      </a:r>
+                      <a:endParaRPr lang="ko-KR" altLang="en-US" dirty="0"/>
+                    </a:p>
+                  </a:txBody>
+                  <a:tcPr/>
+                </a:tc>
+                <a:tc>
+                  <a:txBody>
+                    <a:bodyPr/>
+                    <a:lstStyle/>
+                    <a:p>
+                      <a:pPr latinLnBrk="1"/>
+                      <a:r>
+                        <a:rPr lang="ko-KR" altLang="en-US" dirty="0"/>
+                        <a:t>팀원</a:t>
+                      </a:r>
+                    </a:p>
+                  </a:txBody>
+                  <a:tcPr/>
+                </a:tc>
+                <a:tc>
+                  <a:txBody>
+                    <a:bodyPr/>
+                    <a:lstStyle/>
+                    <a:p>
+                      <a:pPr latinLnBrk="1"/>
+                      <a:r>
+                        <a:rPr lang="en-US" altLang="ko-KR" dirty="0" err="1"/>
+                        <a:t>Github</a:t>
+                      </a:r>
+                      <a:r>
+                        <a:rPr lang="en-US" altLang="ko-KR" dirty="0"/>
+                        <a:t> </a:t>
+                      </a:r>
+                      <a:r>
+                        <a:rPr lang="ko-KR" altLang="en-US" dirty="0" err="1"/>
+                        <a:t>레포지토리</a:t>
+                      </a:r>
+                      <a:r>
+                        <a:rPr lang="ko-KR" altLang="en-US" dirty="0"/>
+                        <a:t> 관리</a:t>
+                      </a:r>
+                      <a:r>
+                        <a:rPr lang="en-US" altLang="ko-KR" dirty="0"/>
+                        <a:t>, </a:t>
+                      </a:r>
+                      <a:r>
+                        <a:rPr lang="ko-KR" altLang="en-US" dirty="0"/>
+                        <a:t>게임 로직 구현</a:t>
+                      </a:r>
+                      <a:r>
+                        <a:rPr lang="en-US" altLang="ko-KR" dirty="0"/>
+                        <a:t>, </a:t>
+                      </a:r>
+                      <a:r>
+                        <a:rPr lang="ko-KR" altLang="en-US" dirty="0"/>
+                        <a:t>아이템 구현</a:t>
+                      </a:r>
+                      <a:r>
+                        <a:rPr lang="en-US" altLang="ko-KR" dirty="0"/>
+                        <a:t>,  </a:t>
+                      </a:r>
+                      <a:r>
+                        <a:rPr lang="ko-KR" altLang="en-US" dirty="0"/>
+                        <a:t>씬 구현</a:t>
+                      </a:r>
+                    </a:p>
+                  </a:txBody>
+                  <a:tcPr/>
+                </a:tc>
+                <a:extLst>
+                  <a:ext uri="{0D108BD9-81ED-4DB2-BD59-A6C34878D82A}">
+                    <a16:rowId xmlns:a16="http://schemas.microsoft.com/office/drawing/2014/main" val="362590045"/>
+                  </a:ext>
+                </a:extLst>
+              </a:tr>
+              <a:tr h="370840">
+                <a:tc>
+                  <a:txBody>
+                    <a:bodyPr/>
+                    <a:lstStyle/>
+                    <a:p>
+                      <a:pPr latinLnBrk="1"/>
+                      <a:r>
+                        <a:rPr lang="ko-KR" altLang="en-US" dirty="0" err="1"/>
+                        <a:t>이충민</a:t>
+                      </a:r>
+                      <a:endParaRPr lang="ko-KR" altLang="en-US" dirty="0"/>
+                    </a:p>
+                  </a:txBody>
+                  <a:tcPr/>
+                </a:tc>
+                <a:tc>
+                  <a:txBody>
+                    <a:bodyPr/>
+                    <a:lstStyle/>
+                    <a:p>
+                      <a:pPr latinLnBrk="1"/>
+                      <a:r>
+                        <a:rPr lang="ko-KR" altLang="en-US" dirty="0"/>
+                        <a:t>팀원</a:t>
+                      </a:r>
+                    </a:p>
+                  </a:txBody>
+                  <a:tcPr/>
+                </a:tc>
+                <a:tc>
+                  <a:txBody>
+                    <a:bodyPr/>
+                    <a:lstStyle/>
+                    <a:p>
+                      <a:pPr latinLnBrk="1"/>
+                      <a:r>
+                        <a:rPr lang="ko-KR" altLang="en-US" dirty="0"/>
+                        <a:t>벽돌 구현</a:t>
+                      </a:r>
+                      <a:r>
+                        <a:rPr lang="en-US" altLang="ko-KR" dirty="0"/>
+                        <a:t>, </a:t>
+                      </a:r>
+                      <a:r>
+                        <a:rPr lang="ko-KR" altLang="en-US" dirty="0"/>
+                        <a:t>레벨 구현</a:t>
+                      </a:r>
+                    </a:p>
+                  </a:txBody>
+                  <a:tcPr/>
+                </a:tc>
+                <a:extLst>
+                  <a:ext uri="{0D108BD9-81ED-4DB2-BD59-A6C34878D82A}">
+                    <a16:rowId xmlns:a16="http://schemas.microsoft.com/office/drawing/2014/main" val="1851327186"/>
+                  </a:ext>
+                </a:extLst>
+              </a:tr>
+              <a:tr h="370840">
+                <a:tc>
+                  <a:txBody>
+                    <a:bodyPr/>
+                    <a:lstStyle/>
+                    <a:p>
+                      <a:pPr latinLnBrk="1"/>
+                      <a:r>
+                        <a:rPr lang="ko-KR" altLang="en-US" dirty="0" err="1"/>
+                        <a:t>손두혁</a:t>
+                      </a:r>
+                      <a:endParaRPr lang="ko-KR" altLang="en-US" dirty="0"/>
+                    </a:p>
+                  </a:txBody>
+                  <a:tcPr/>
+                </a:tc>
+                <a:tc>
+                  <a:txBody>
+                    <a:bodyPr/>
+                    <a:lstStyle/>
+                    <a:p>
+                      <a:pPr latinLnBrk="1"/>
+                      <a:r>
+                        <a:rPr lang="ko-KR" altLang="en-US" dirty="0"/>
+                        <a:t>팀원</a:t>
+                      </a:r>
+                    </a:p>
+                  </a:txBody>
+                  <a:tcPr/>
+                </a:tc>
+                <a:tc>
+                  <a:txBody>
+                    <a:bodyPr/>
+                    <a:lstStyle/>
+                    <a:p>
+                      <a:pPr latinLnBrk="1"/>
+                      <a:r>
+                        <a:rPr lang="ko-KR" altLang="en-US" dirty="0"/>
+                        <a:t>공 구현</a:t>
+                      </a:r>
+                    </a:p>
+                  </a:txBody>
+                  <a:tcPr/>
+                </a:tc>
+                <a:extLst>
+                  <a:ext uri="{0D108BD9-81ED-4DB2-BD59-A6C34878D82A}">
+                    <a16:rowId xmlns:a16="http://schemas.microsoft.com/office/drawing/2014/main" val="433737555"/>
+                  </a:ext>
+                </a:extLst>
+              </a:tr>
+            </a:tbl>
+          </a:graphicData>
+        </a:graphic>
+      </p:graphicFrame>
     </p:spTree>
     <p:extLst>
       <p:ext uri="{BB962C8B-B14F-4D97-AF65-F5344CB8AC3E}">
-        <p14:creationId xmlns:p14="http://schemas.microsoft.com/office/powerpoint/2010/main" val="1019814751"/>
+        <p14:creationId xmlns:p14="http://schemas.microsoft.com/office/powerpoint/2010/main" val="327464481"/>
       </p:ext>
     </p:extLst>
   </p:cSld>
@@ -10925,7 +11011,7 @@
           <p:cNvPr id="2" name="제목 1">
             <a:extLst>
               <a:ext uri="{FF2B5EF4-FFF2-40B4-BE49-F238E27FC236}">
-                <a16:creationId xmlns:a16="http://schemas.microsoft.com/office/drawing/2014/main" id="{9D683717-8FC8-E967-A825-E84648E4B461}"/>
+                <a16:creationId xmlns:a16="http://schemas.microsoft.com/office/drawing/2014/main" id="{FDD6F2FB-C42C-24AF-3B34-2D1EBB5120CA}"/>
               </a:ext>
             </a:extLst>
           </p:cNvPr>
@@ -10943,152 +11029,733 @@
           <a:p>
             <a:r>
               <a:rPr lang="ko-KR" altLang="en-US" dirty="0"/>
-              <a:t>팀 구성</a:t>
-            </a:r>
-          </a:p>
-        </p:txBody>
-      </p:sp>
-      <p:sp>
-        <p:nvSpPr>
-          <p:cNvPr id="3" name="내용 개체 틀 2">
+              <a:t>프로젝트 수행 절차 및 방법</a:t>
+            </a:r>
+          </a:p>
+        </p:txBody>
+      </p:sp>
+      <p:graphicFrame>
+        <p:nvGraphicFramePr>
+          <p:cNvPr id="4" name="내용 개체 틀 3">
             <a:extLst>
               <a:ext uri="{FF2B5EF4-FFF2-40B4-BE49-F238E27FC236}">
-                <a16:creationId xmlns:a16="http://schemas.microsoft.com/office/drawing/2014/main" id="{09FB7AB4-1C5E-6121-BC84-F5CF5502CB3B}"/>
+                <a16:creationId xmlns:a16="http://schemas.microsoft.com/office/drawing/2014/main" id="{59C74D2E-CB5E-E421-0E33-134131907F90}"/>
               </a:ext>
             </a:extLst>
           </p:cNvPr>
-          <p:cNvSpPr>
-            <a:spLocks noGrp="1"/>
-          </p:cNvSpPr>
+          <p:cNvGraphicFramePr>
+            <a:graphicFrameLocks noGrp="1"/>
+          </p:cNvGraphicFramePr>
           <p:nvPr>
             <p:ph idx="1"/>
-          </p:nvPr>
-        </p:nvSpPr>
-        <p:spPr/>
-        <p:txBody>
-          <a:bodyPr/>
-          <a:lstStyle/>
-          <a:p>
-            <a:r>
-              <a:rPr lang="ko-KR" altLang="en-US" dirty="0"/>
-              <a:t>팀장 </a:t>
-            </a:r>
-            <a:r>
-              <a:rPr lang="ko-KR" altLang="en-US" dirty="0" err="1"/>
-              <a:t>박신환</a:t>
-            </a:r>
-            <a:r>
-              <a:rPr lang="en-US" altLang="ko-KR" dirty="0"/>
-              <a:t>: UML </a:t>
-            </a:r>
-            <a:r>
-              <a:rPr lang="ko-KR" altLang="en-US" dirty="0"/>
-              <a:t>작성</a:t>
-            </a:r>
-            <a:r>
-              <a:rPr lang="en-US" altLang="ko-KR" dirty="0"/>
-              <a:t>, </a:t>
-            </a:r>
-            <a:r>
-              <a:rPr lang="ko-KR" altLang="en-US" dirty="0"/>
-              <a:t>패들 구현</a:t>
-            </a:r>
-            <a:r>
-              <a:rPr lang="en-US" altLang="ko-KR" dirty="0"/>
-              <a:t>, </a:t>
-            </a:r>
-            <a:r>
-              <a:rPr lang="ko-KR" altLang="en-US" dirty="0"/>
-              <a:t>발표자료 작성</a:t>
-            </a:r>
-            <a:endParaRPr lang="en-US" altLang="ko-KR" dirty="0"/>
-          </a:p>
-          <a:p>
-            <a:r>
-              <a:rPr lang="ko-KR" altLang="en-US" dirty="0" err="1"/>
-              <a:t>윤정빈</a:t>
-            </a:r>
-            <a:r>
-              <a:rPr lang="en-US" altLang="ko-KR" dirty="0"/>
-              <a:t>: </a:t>
-            </a:r>
-            <a:r>
-              <a:rPr lang="en-US" altLang="ko-KR" dirty="0" err="1"/>
-              <a:t>Github</a:t>
-            </a:r>
-            <a:r>
-              <a:rPr lang="en-US" altLang="ko-KR" dirty="0"/>
-              <a:t> </a:t>
-            </a:r>
-            <a:r>
-              <a:rPr lang="ko-KR" altLang="en-US" dirty="0"/>
-              <a:t>관리</a:t>
-            </a:r>
-            <a:r>
-              <a:rPr lang="en-US" altLang="ko-KR" dirty="0"/>
-              <a:t>, </a:t>
-            </a:r>
-            <a:r>
-              <a:rPr lang="ko-KR" altLang="en-US" dirty="0"/>
-              <a:t>게임 로직 구현</a:t>
-            </a:r>
-            <a:r>
-              <a:rPr lang="en-US" altLang="ko-KR" dirty="0"/>
-              <a:t>, </a:t>
-            </a:r>
-            <a:r>
-              <a:rPr lang="ko-KR" altLang="en-US" dirty="0"/>
-              <a:t>아이템 구현</a:t>
-            </a:r>
-            <a:endParaRPr lang="en-US" altLang="ko-KR" dirty="0"/>
-          </a:p>
-          <a:p>
-            <a:r>
-              <a:rPr lang="ko-KR" altLang="en-US" dirty="0" err="1"/>
-              <a:t>이충빈</a:t>
-            </a:r>
-            <a:r>
-              <a:rPr lang="en-US" altLang="ko-KR" dirty="0"/>
-              <a:t>: </a:t>
-            </a:r>
-            <a:r>
-              <a:rPr lang="ko-KR" altLang="en-US" dirty="0"/>
-              <a:t>벽돌 구현</a:t>
-            </a:r>
-            <a:r>
-              <a:rPr lang="en-US" altLang="ko-KR" dirty="0"/>
-              <a:t>, </a:t>
-            </a:r>
-            <a:r>
-              <a:rPr lang="ko-KR" altLang="en-US" dirty="0"/>
-              <a:t>게임 레벨 관리</a:t>
-            </a:r>
-            <a:endParaRPr lang="en-US" altLang="ko-KR" dirty="0"/>
-          </a:p>
-          <a:p>
-            <a:r>
-              <a:rPr lang="ko-KR" altLang="en-US" dirty="0" err="1"/>
-              <a:t>순두혁</a:t>
-            </a:r>
-            <a:r>
-              <a:rPr lang="en-US" altLang="ko-KR" dirty="0"/>
-              <a:t>: </a:t>
-            </a:r>
-            <a:r>
-              <a:rPr lang="ko-KR" altLang="en-US" dirty="0"/>
-              <a:t>공 구현</a:t>
-            </a:r>
-            <a:endParaRPr lang="en-US" altLang="ko-KR" dirty="0"/>
-          </a:p>
-          <a:p>
-            <a:endParaRPr lang="ko-KR" altLang="en-US" dirty="0"/>
-          </a:p>
-        </p:txBody>
-      </p:sp>
+            <p:extLst>
+              <p:ext uri="{D42A27DB-BD31-4B8C-83A1-F6EECF244321}">
+                <p14:modId xmlns:p14="http://schemas.microsoft.com/office/powerpoint/2010/main" val="986528275"/>
+              </p:ext>
+            </p:extLst>
+          </p:nvPr>
+        </p:nvGraphicFramePr>
+        <p:xfrm>
+          <a:off x="1450975" y="2016125"/>
+          <a:ext cx="9604374" cy="3708400"/>
+        </p:xfrm>
+        <a:graphic>
+          <a:graphicData uri="http://schemas.openxmlformats.org/drawingml/2006/table">
+            <a:tbl>
+              <a:tblPr firstRow="1" bandRow="1">
+                <a:tableStyleId>{5C22544A-7EE6-4342-B048-85BDC9FD1C3A}</a:tableStyleId>
+              </a:tblPr>
+              <a:tblGrid>
+                <a:gridCol w="2784475">
+                  <a:extLst>
+                    <a:ext uri="{9D8B030D-6E8A-4147-A177-3AD203B41FA5}">
+                      <a16:colId xmlns:a16="http://schemas.microsoft.com/office/drawing/2014/main" val="833445856"/>
+                    </a:ext>
+                  </a:extLst>
+                </a:gridCol>
+                <a:gridCol w="2032000">
+                  <a:extLst>
+                    <a:ext uri="{9D8B030D-6E8A-4147-A177-3AD203B41FA5}">
+                      <a16:colId xmlns:a16="http://schemas.microsoft.com/office/drawing/2014/main" val="1957389987"/>
+                    </a:ext>
+                  </a:extLst>
+                </a:gridCol>
+                <a:gridCol w="4787899">
+                  <a:extLst>
+                    <a:ext uri="{9D8B030D-6E8A-4147-A177-3AD203B41FA5}">
+                      <a16:colId xmlns:a16="http://schemas.microsoft.com/office/drawing/2014/main" val="1659255543"/>
+                    </a:ext>
+                  </a:extLst>
+                </a:gridCol>
+              </a:tblGrid>
+              <a:tr h="370840">
+                <a:tc>
+                  <a:txBody>
+                    <a:bodyPr/>
+                    <a:lstStyle/>
+                    <a:p>
+                      <a:pPr latinLnBrk="1"/>
+                      <a:r>
+                        <a:rPr lang="ko-KR" altLang="en-US" dirty="0"/>
+                        <a:t>구분</a:t>
+                      </a:r>
+                    </a:p>
+                  </a:txBody>
+                  <a:tcPr/>
+                </a:tc>
+                <a:tc>
+                  <a:txBody>
+                    <a:bodyPr/>
+                    <a:lstStyle/>
+                    <a:p>
+                      <a:pPr latinLnBrk="1"/>
+                      <a:r>
+                        <a:rPr lang="ko-KR" altLang="en-US" dirty="0"/>
+                        <a:t>기간</a:t>
+                      </a:r>
+                    </a:p>
+                  </a:txBody>
+                  <a:tcPr/>
+                </a:tc>
+                <a:tc>
+                  <a:txBody>
+                    <a:bodyPr/>
+                    <a:lstStyle/>
+                    <a:p>
+                      <a:pPr latinLnBrk="1"/>
+                      <a:r>
+                        <a:rPr lang="ko-KR" altLang="en-US" dirty="0"/>
+                        <a:t>활동</a:t>
+                      </a:r>
+                    </a:p>
+                  </a:txBody>
+                  <a:tcPr/>
+                </a:tc>
+                <a:extLst>
+                  <a:ext uri="{0D108BD9-81ED-4DB2-BD59-A6C34878D82A}">
+                    <a16:rowId xmlns:a16="http://schemas.microsoft.com/office/drawing/2014/main" val="190852302"/>
+                  </a:ext>
+                </a:extLst>
+              </a:tr>
+              <a:tr h="370840">
+                <a:tc>
+                  <a:txBody>
+                    <a:bodyPr/>
+                    <a:lstStyle/>
+                    <a:p>
+                      <a:pPr latinLnBrk="1"/>
+                      <a:r>
+                        <a:rPr lang="ko-KR" altLang="en-US" dirty="0"/>
+                        <a:t>역할 분담</a:t>
+                      </a:r>
+                    </a:p>
+                  </a:txBody>
+                  <a:tcPr/>
+                </a:tc>
+                <a:tc>
+                  <a:txBody>
+                    <a:bodyPr/>
+                    <a:lstStyle/>
+                    <a:p>
+                      <a:pPr latinLnBrk="1"/>
+                      <a:r>
+                        <a:rPr lang="en-US" altLang="ko-KR" dirty="0"/>
+                        <a:t>2024.5.16.</a:t>
+                      </a:r>
+                      <a:endParaRPr lang="ko-KR" altLang="en-US" dirty="0"/>
+                    </a:p>
+                  </a:txBody>
+                  <a:tcPr/>
+                </a:tc>
+                <a:tc>
+                  <a:txBody>
+                    <a:bodyPr/>
+                    <a:lstStyle/>
+                    <a:p>
+                      <a:pPr latinLnBrk="1"/>
+                      <a:r>
+                        <a:rPr lang="ko-KR" altLang="en-US" dirty="0"/>
+                        <a:t>필수과제 중 각자 맡고 싶은 부분 나누기</a:t>
+                      </a:r>
+                    </a:p>
+                  </a:txBody>
+                  <a:tcPr/>
+                </a:tc>
+                <a:extLst>
+                  <a:ext uri="{0D108BD9-81ED-4DB2-BD59-A6C34878D82A}">
+                    <a16:rowId xmlns:a16="http://schemas.microsoft.com/office/drawing/2014/main" val="778716863"/>
+                  </a:ext>
+                </a:extLst>
+              </a:tr>
+              <a:tr h="370840">
+                <a:tc>
+                  <a:txBody>
+                    <a:bodyPr/>
+                    <a:lstStyle/>
+                    <a:p>
+                      <a:pPr latinLnBrk="1"/>
+                      <a:r>
+                        <a:rPr lang="en-US" altLang="ko-KR" dirty="0" err="1"/>
+                        <a:t>Github</a:t>
+                      </a:r>
+                      <a:r>
+                        <a:rPr lang="en-US" altLang="ko-KR" dirty="0"/>
+                        <a:t> </a:t>
+                      </a:r>
+                      <a:r>
+                        <a:rPr lang="ko-KR" altLang="en-US" dirty="0" err="1"/>
+                        <a:t>레포지토리</a:t>
+                      </a:r>
+                      <a:r>
+                        <a:rPr lang="ko-KR" altLang="en-US" dirty="0"/>
+                        <a:t> 만들기</a:t>
+                      </a:r>
+                    </a:p>
+                  </a:txBody>
+                  <a:tcPr/>
+                </a:tc>
+                <a:tc>
+                  <a:txBody>
+                    <a:bodyPr/>
+                    <a:lstStyle/>
+                    <a:p>
+                      <a:pPr marL="0" marR="0" lvl="0" indent="0" algn="l" defTabSz="914400" rtl="0" eaLnBrk="1" fontAlgn="auto" latinLnBrk="1" hangingPunct="1">
+                        <a:lnSpc>
+                          <a:spcPct val="100000"/>
+                        </a:lnSpc>
+                        <a:spcBef>
+                          <a:spcPts val="0"/>
+                        </a:spcBef>
+                        <a:spcAft>
+                          <a:spcPts val="0"/>
+                        </a:spcAft>
+                        <a:buClrTx/>
+                        <a:buSzTx/>
+                        <a:buFontTx/>
+                        <a:buNone/>
+                        <a:tabLst/>
+                        <a:defRPr/>
+                      </a:pPr>
+                      <a:r>
+                        <a:rPr lang="en-US" altLang="ko-KR" dirty="0"/>
+                        <a:t>2024.5.16.</a:t>
+                      </a:r>
+                      <a:endParaRPr lang="ko-KR" altLang="en-US" dirty="0"/>
+                    </a:p>
+                  </a:txBody>
+                  <a:tcPr/>
+                </a:tc>
+                <a:tc>
+                  <a:txBody>
+                    <a:bodyPr/>
+                    <a:lstStyle/>
+                    <a:p>
+                      <a:pPr latinLnBrk="1"/>
+                      <a:r>
+                        <a:rPr lang="en-US" altLang="ko-KR" dirty="0" err="1"/>
+                        <a:t>Github</a:t>
+                      </a:r>
+                      <a:r>
+                        <a:rPr lang="en-US" altLang="ko-KR" dirty="0"/>
+                        <a:t> </a:t>
+                      </a:r>
+                      <a:r>
+                        <a:rPr lang="ko-KR" altLang="en-US" dirty="0" err="1"/>
+                        <a:t>레포지토리와</a:t>
+                      </a:r>
+                      <a:r>
+                        <a:rPr lang="ko-KR" altLang="en-US" dirty="0"/>
+                        <a:t> 각자의 </a:t>
+                      </a:r>
+                      <a:r>
+                        <a:rPr lang="en-US" altLang="ko-KR" dirty="0"/>
+                        <a:t>branch </a:t>
+                      </a:r>
+                      <a:r>
+                        <a:rPr lang="ko-KR" altLang="en-US" dirty="0"/>
+                        <a:t>만들기</a:t>
+                      </a:r>
+                    </a:p>
+                  </a:txBody>
+                  <a:tcPr/>
+                </a:tc>
+                <a:extLst>
+                  <a:ext uri="{0D108BD9-81ED-4DB2-BD59-A6C34878D82A}">
+                    <a16:rowId xmlns:a16="http://schemas.microsoft.com/office/drawing/2014/main" val="570665498"/>
+                  </a:ext>
+                </a:extLst>
+              </a:tr>
+              <a:tr h="370840">
+                <a:tc>
+                  <a:txBody>
+                    <a:bodyPr/>
+                    <a:lstStyle/>
+                    <a:p>
+                      <a:pPr latinLnBrk="1"/>
+                      <a:r>
+                        <a:rPr lang="en-US" altLang="ko-KR" dirty="0"/>
+                        <a:t>UML </a:t>
+                      </a:r>
+                      <a:r>
+                        <a:rPr lang="ko-KR" altLang="en-US" dirty="0"/>
+                        <a:t>작성</a:t>
+                      </a:r>
+                    </a:p>
+                  </a:txBody>
+                  <a:tcPr/>
+                </a:tc>
+                <a:tc>
+                  <a:txBody>
+                    <a:bodyPr/>
+                    <a:lstStyle/>
+                    <a:p>
+                      <a:pPr marL="0" marR="0" lvl="0" indent="0" algn="l" defTabSz="914400" rtl="0" eaLnBrk="1" fontAlgn="auto" latinLnBrk="1" hangingPunct="1">
+                        <a:lnSpc>
+                          <a:spcPct val="100000"/>
+                        </a:lnSpc>
+                        <a:spcBef>
+                          <a:spcPts val="0"/>
+                        </a:spcBef>
+                        <a:spcAft>
+                          <a:spcPts val="0"/>
+                        </a:spcAft>
+                        <a:buClrTx/>
+                        <a:buSzTx/>
+                        <a:buFontTx/>
+                        <a:buNone/>
+                        <a:tabLst/>
+                        <a:defRPr/>
+                      </a:pPr>
+                      <a:r>
+                        <a:rPr lang="en-US" altLang="ko-KR" dirty="0"/>
+                        <a:t>2024.5.16.</a:t>
+                      </a:r>
+                      <a:endParaRPr lang="ko-KR" altLang="en-US" dirty="0"/>
+                    </a:p>
+                  </a:txBody>
+                  <a:tcPr/>
+                </a:tc>
+                <a:tc>
+                  <a:txBody>
+                    <a:bodyPr/>
+                    <a:lstStyle/>
+                    <a:p>
+                      <a:pPr latinLnBrk="1"/>
+                      <a:r>
+                        <a:rPr lang="ko-KR" altLang="en-US" dirty="0"/>
+                        <a:t>스크립트의 개략적인 구조 구상하기</a:t>
+                      </a:r>
+                    </a:p>
+                  </a:txBody>
+                  <a:tcPr/>
+                </a:tc>
+                <a:extLst>
+                  <a:ext uri="{0D108BD9-81ED-4DB2-BD59-A6C34878D82A}">
+                    <a16:rowId xmlns:a16="http://schemas.microsoft.com/office/drawing/2014/main" val="3738461757"/>
+                  </a:ext>
+                </a:extLst>
+              </a:tr>
+              <a:tr h="370840">
+                <a:tc>
+                  <a:txBody>
+                    <a:bodyPr/>
+                    <a:lstStyle/>
+                    <a:p>
+                      <a:pPr latinLnBrk="1"/>
+                      <a:r>
+                        <a:rPr lang="ko-KR" altLang="en-US" dirty="0"/>
+                        <a:t>패들 구현</a:t>
+                      </a:r>
+                    </a:p>
+                  </a:txBody>
+                  <a:tcPr/>
+                </a:tc>
+                <a:tc>
+                  <a:txBody>
+                    <a:bodyPr/>
+                    <a:lstStyle/>
+                    <a:p>
+                      <a:pPr marL="0" marR="0" lvl="0" indent="0" algn="l" defTabSz="914400" rtl="0" eaLnBrk="1" fontAlgn="auto" latinLnBrk="1" hangingPunct="1">
+                        <a:lnSpc>
+                          <a:spcPct val="100000"/>
+                        </a:lnSpc>
+                        <a:spcBef>
+                          <a:spcPts val="0"/>
+                        </a:spcBef>
+                        <a:spcAft>
+                          <a:spcPts val="0"/>
+                        </a:spcAft>
+                        <a:buClrTx/>
+                        <a:buSzTx/>
+                        <a:buFontTx/>
+                        <a:buNone/>
+                        <a:tabLst/>
+                        <a:defRPr/>
+                      </a:pPr>
+                      <a:r>
+                        <a:rPr lang="en-US" altLang="ko-KR" dirty="0"/>
+                        <a:t>2024.5.17~20.</a:t>
+                      </a:r>
+                      <a:endParaRPr lang="ko-KR" altLang="en-US" dirty="0"/>
+                    </a:p>
+                  </a:txBody>
+                  <a:tcPr/>
+                </a:tc>
+                <a:tc>
+                  <a:txBody>
+                    <a:bodyPr/>
+                    <a:lstStyle/>
+                    <a:p>
+                      <a:pPr latinLnBrk="1"/>
+                      <a:endParaRPr lang="ko-KR" altLang="en-US" dirty="0"/>
+                    </a:p>
+                  </a:txBody>
+                  <a:tcPr/>
+                </a:tc>
+                <a:extLst>
+                  <a:ext uri="{0D108BD9-81ED-4DB2-BD59-A6C34878D82A}">
+                    <a16:rowId xmlns:a16="http://schemas.microsoft.com/office/drawing/2014/main" val="2899018530"/>
+                  </a:ext>
+                </a:extLst>
+              </a:tr>
+              <a:tr h="370840">
+                <a:tc>
+                  <a:txBody>
+                    <a:bodyPr/>
+                    <a:lstStyle/>
+                    <a:p>
+                      <a:pPr latinLnBrk="1"/>
+                      <a:r>
+                        <a:rPr lang="ko-KR" altLang="en-US" dirty="0"/>
+                        <a:t>벽돌 구현</a:t>
+                      </a:r>
+                    </a:p>
+                  </a:txBody>
+                  <a:tcPr/>
+                </a:tc>
+                <a:tc>
+                  <a:txBody>
+                    <a:bodyPr/>
+                    <a:lstStyle/>
+                    <a:p>
+                      <a:pPr marL="0" marR="0" lvl="0" indent="0" algn="l" defTabSz="914400" rtl="0" eaLnBrk="1" fontAlgn="auto" latinLnBrk="1" hangingPunct="1">
+                        <a:lnSpc>
+                          <a:spcPct val="100000"/>
+                        </a:lnSpc>
+                        <a:spcBef>
+                          <a:spcPts val="0"/>
+                        </a:spcBef>
+                        <a:spcAft>
+                          <a:spcPts val="0"/>
+                        </a:spcAft>
+                        <a:buClrTx/>
+                        <a:buSzTx/>
+                        <a:buFontTx/>
+                        <a:buNone/>
+                        <a:tabLst/>
+                        <a:defRPr/>
+                      </a:pPr>
+                      <a:r>
+                        <a:rPr lang="en-US" altLang="ko-KR" dirty="0"/>
+                        <a:t>2024.5.17~20.</a:t>
+                      </a:r>
+                      <a:endParaRPr lang="ko-KR" altLang="en-US" dirty="0"/>
+                    </a:p>
+                  </a:txBody>
+                  <a:tcPr/>
+                </a:tc>
+                <a:tc>
+                  <a:txBody>
+                    <a:bodyPr/>
+                    <a:lstStyle/>
+                    <a:p>
+                      <a:pPr latinLnBrk="1"/>
+                      <a:endParaRPr lang="ko-KR" altLang="en-US" dirty="0"/>
+                    </a:p>
+                  </a:txBody>
+                  <a:tcPr/>
+                </a:tc>
+                <a:extLst>
+                  <a:ext uri="{0D108BD9-81ED-4DB2-BD59-A6C34878D82A}">
+                    <a16:rowId xmlns:a16="http://schemas.microsoft.com/office/drawing/2014/main" val="1874184518"/>
+                  </a:ext>
+                </a:extLst>
+              </a:tr>
+              <a:tr h="370840">
+                <a:tc>
+                  <a:txBody>
+                    <a:bodyPr/>
+                    <a:lstStyle/>
+                    <a:p>
+                      <a:pPr latinLnBrk="1"/>
+                      <a:r>
+                        <a:rPr lang="ko-KR" altLang="en-US" dirty="0"/>
+                        <a:t>공 구현</a:t>
+                      </a:r>
+                      <a:endParaRPr lang="en-US" altLang="ko-KR" dirty="0"/>
+                    </a:p>
+                  </a:txBody>
+                  <a:tcPr/>
+                </a:tc>
+                <a:tc>
+                  <a:txBody>
+                    <a:bodyPr/>
+                    <a:lstStyle/>
+                    <a:p>
+                      <a:pPr marL="0" marR="0" lvl="0" indent="0" algn="l" defTabSz="914400" rtl="0" eaLnBrk="1" fontAlgn="auto" latinLnBrk="1" hangingPunct="1">
+                        <a:lnSpc>
+                          <a:spcPct val="100000"/>
+                        </a:lnSpc>
+                        <a:spcBef>
+                          <a:spcPts val="0"/>
+                        </a:spcBef>
+                        <a:spcAft>
+                          <a:spcPts val="0"/>
+                        </a:spcAft>
+                        <a:buClrTx/>
+                        <a:buSzTx/>
+                        <a:buFontTx/>
+                        <a:buNone/>
+                        <a:tabLst/>
+                        <a:defRPr/>
+                      </a:pPr>
+                      <a:r>
+                        <a:rPr lang="en-US" altLang="ko-KR" dirty="0"/>
+                        <a:t>2024.5.17~20.</a:t>
+                      </a:r>
+                      <a:endParaRPr lang="ko-KR" altLang="en-US" dirty="0"/>
+                    </a:p>
+                  </a:txBody>
+                  <a:tcPr/>
+                </a:tc>
+                <a:tc>
+                  <a:txBody>
+                    <a:bodyPr/>
+                    <a:lstStyle/>
+                    <a:p>
+                      <a:pPr latinLnBrk="1"/>
+                      <a:endParaRPr lang="ko-KR" altLang="en-US" dirty="0"/>
+                    </a:p>
+                  </a:txBody>
+                  <a:tcPr/>
+                </a:tc>
+                <a:extLst>
+                  <a:ext uri="{0D108BD9-81ED-4DB2-BD59-A6C34878D82A}">
+                    <a16:rowId xmlns:a16="http://schemas.microsoft.com/office/drawing/2014/main" val="631755060"/>
+                  </a:ext>
+                </a:extLst>
+              </a:tr>
+              <a:tr h="370840">
+                <a:tc>
+                  <a:txBody>
+                    <a:bodyPr/>
+                    <a:lstStyle/>
+                    <a:p>
+                      <a:pPr latinLnBrk="1"/>
+                      <a:r>
+                        <a:rPr lang="ko-KR" altLang="en-US" dirty="0"/>
+                        <a:t>게임 로직 구현</a:t>
+                      </a:r>
+                    </a:p>
+                  </a:txBody>
+                  <a:tcPr/>
+                </a:tc>
+                <a:tc>
+                  <a:txBody>
+                    <a:bodyPr/>
+                    <a:lstStyle/>
+                    <a:p>
+                      <a:pPr marL="0" marR="0" lvl="0" indent="0" algn="l" defTabSz="914400" rtl="0" eaLnBrk="1" fontAlgn="auto" latinLnBrk="1" hangingPunct="1">
+                        <a:lnSpc>
+                          <a:spcPct val="100000"/>
+                        </a:lnSpc>
+                        <a:spcBef>
+                          <a:spcPts val="0"/>
+                        </a:spcBef>
+                        <a:spcAft>
+                          <a:spcPts val="0"/>
+                        </a:spcAft>
+                        <a:buClrTx/>
+                        <a:buSzTx/>
+                        <a:buFontTx/>
+                        <a:buNone/>
+                        <a:tabLst/>
+                        <a:defRPr/>
+                      </a:pPr>
+                      <a:r>
+                        <a:rPr lang="en-US" altLang="ko-KR" dirty="0"/>
+                        <a:t>2024.5.17~20.</a:t>
+                      </a:r>
+                      <a:endParaRPr lang="ko-KR" altLang="en-US" dirty="0"/>
+                    </a:p>
+                  </a:txBody>
+                  <a:tcPr/>
+                </a:tc>
+                <a:tc>
+                  <a:txBody>
+                    <a:bodyPr/>
+                    <a:lstStyle/>
+                    <a:p>
+                      <a:pPr latinLnBrk="1"/>
+                      <a:endParaRPr lang="ko-KR" altLang="en-US" dirty="0"/>
+                    </a:p>
+                  </a:txBody>
+                  <a:tcPr/>
+                </a:tc>
+                <a:extLst>
+                  <a:ext uri="{0D108BD9-81ED-4DB2-BD59-A6C34878D82A}">
+                    <a16:rowId xmlns:a16="http://schemas.microsoft.com/office/drawing/2014/main" val="2999316775"/>
+                  </a:ext>
+                </a:extLst>
+              </a:tr>
+              <a:tr h="370840">
+                <a:tc>
+                  <a:txBody>
+                    <a:bodyPr/>
+                    <a:lstStyle/>
+                    <a:p>
+                      <a:pPr latinLnBrk="1"/>
+                      <a:r>
+                        <a:rPr lang="ko-KR" altLang="en-US" dirty="0"/>
+                        <a:t>취합</a:t>
+                      </a:r>
+                    </a:p>
+                  </a:txBody>
+                  <a:tcPr/>
+                </a:tc>
+                <a:tc>
+                  <a:txBody>
+                    <a:bodyPr/>
+                    <a:lstStyle/>
+                    <a:p>
+                      <a:pPr marL="0" marR="0" lvl="0" indent="0" algn="l" defTabSz="914400" rtl="0" eaLnBrk="1" fontAlgn="auto" latinLnBrk="1" hangingPunct="1">
+                        <a:lnSpc>
+                          <a:spcPct val="100000"/>
+                        </a:lnSpc>
+                        <a:spcBef>
+                          <a:spcPts val="0"/>
+                        </a:spcBef>
+                        <a:spcAft>
+                          <a:spcPts val="0"/>
+                        </a:spcAft>
+                        <a:buClrTx/>
+                        <a:buSzTx/>
+                        <a:buFontTx/>
+                        <a:buNone/>
+                        <a:tabLst/>
+                        <a:defRPr/>
+                      </a:pPr>
+                      <a:r>
+                        <a:rPr lang="en-US" altLang="ko-KR" dirty="0"/>
+                        <a:t>2024.5.21.</a:t>
+                      </a:r>
+                      <a:endParaRPr lang="ko-KR" altLang="en-US" dirty="0"/>
+                    </a:p>
+                  </a:txBody>
+                  <a:tcPr/>
+                </a:tc>
+                <a:tc>
+                  <a:txBody>
+                    <a:bodyPr/>
+                    <a:lstStyle/>
+                    <a:p>
+                      <a:pPr latinLnBrk="1"/>
+                      <a:r>
+                        <a:rPr lang="ko-KR" altLang="en-US" dirty="0"/>
+                        <a:t>각자 만든 것 취합하기</a:t>
+                      </a:r>
+                    </a:p>
+                  </a:txBody>
+                  <a:tcPr/>
+                </a:tc>
+                <a:extLst>
+                  <a:ext uri="{0D108BD9-81ED-4DB2-BD59-A6C34878D82A}">
+                    <a16:rowId xmlns:a16="http://schemas.microsoft.com/office/drawing/2014/main" val="631180289"/>
+                  </a:ext>
+                </a:extLst>
+              </a:tr>
+              <a:tr h="370840">
+                <a:tc>
+                  <a:txBody>
+                    <a:bodyPr/>
+                    <a:lstStyle/>
+                    <a:p>
+                      <a:pPr latinLnBrk="1"/>
+                      <a:r>
+                        <a:rPr lang="ko-KR" altLang="en-US" dirty="0"/>
+                        <a:t>디버깅</a:t>
+                      </a:r>
+                      <a:r>
+                        <a:rPr lang="en-US" altLang="ko-KR" dirty="0"/>
+                        <a:t>, </a:t>
+                      </a:r>
+                      <a:r>
+                        <a:rPr lang="ko-KR" altLang="en-US" dirty="0"/>
+                        <a:t>선택과제 구현</a:t>
+                      </a:r>
+                    </a:p>
+                  </a:txBody>
+                  <a:tcPr/>
+                </a:tc>
+                <a:tc>
+                  <a:txBody>
+                    <a:bodyPr/>
+                    <a:lstStyle/>
+                    <a:p>
+                      <a:pPr marL="0" marR="0" lvl="0" indent="0" algn="l" defTabSz="914400" rtl="0" eaLnBrk="1" fontAlgn="auto" latinLnBrk="1" hangingPunct="1">
+                        <a:lnSpc>
+                          <a:spcPct val="100000"/>
+                        </a:lnSpc>
+                        <a:spcBef>
+                          <a:spcPts val="0"/>
+                        </a:spcBef>
+                        <a:spcAft>
+                          <a:spcPts val="0"/>
+                        </a:spcAft>
+                        <a:buClrTx/>
+                        <a:buSzTx/>
+                        <a:buFontTx/>
+                        <a:buNone/>
+                        <a:tabLst/>
+                        <a:defRPr/>
+                      </a:pPr>
+                      <a:r>
+                        <a:rPr lang="en-US" altLang="ko-KR" dirty="0"/>
+                        <a:t>2024.5.21~22.</a:t>
+                      </a:r>
+                      <a:endParaRPr lang="ko-KR" altLang="en-US" dirty="0"/>
+                    </a:p>
+                  </a:txBody>
+                  <a:tcPr/>
+                </a:tc>
+                <a:tc>
+                  <a:txBody>
+                    <a:bodyPr/>
+                    <a:lstStyle/>
+                    <a:p>
+                      <a:pPr latinLnBrk="1"/>
+                      <a:r>
+                        <a:rPr lang="ko-KR" altLang="en-US" dirty="0"/>
+                        <a:t>버그 잡기</a:t>
+                      </a:r>
+                    </a:p>
+                  </a:txBody>
+                  <a:tcPr/>
+                </a:tc>
+                <a:extLst>
+                  <a:ext uri="{0D108BD9-81ED-4DB2-BD59-A6C34878D82A}">
+                    <a16:rowId xmlns:a16="http://schemas.microsoft.com/office/drawing/2014/main" val="2981524140"/>
+                  </a:ext>
+                </a:extLst>
+              </a:tr>
+            </a:tbl>
+          </a:graphicData>
+        </a:graphic>
+      </p:graphicFrame>
     </p:spTree>
     <p:extLst>
       <p:ext uri="{BB962C8B-B14F-4D97-AF65-F5344CB8AC3E}">
-        <p14:creationId xmlns:p14="http://schemas.microsoft.com/office/powerpoint/2010/main" val="327464481"/>
+        <p14:creationId xmlns:p14="http://schemas.microsoft.com/office/powerpoint/2010/main" val="1897494653"/>
       </p:ext>
     </p:extLst>
   </p:cSld>
@@ -11120,158 +11787,6 @@
           <p:cNvPr id="2" name="제목 1">
             <a:extLst>
               <a:ext uri="{FF2B5EF4-FFF2-40B4-BE49-F238E27FC236}">
-                <a16:creationId xmlns:a16="http://schemas.microsoft.com/office/drawing/2014/main" id="{FDD6F2FB-C42C-24AF-3B34-2D1EBB5120CA}"/>
-              </a:ext>
-            </a:extLst>
-          </p:cNvPr>
-          <p:cNvSpPr>
-            <a:spLocks noGrp="1"/>
-          </p:cNvSpPr>
-          <p:nvPr>
-            <p:ph type="title"/>
-          </p:nvPr>
-        </p:nvSpPr>
-        <p:spPr/>
-        <p:txBody>
-          <a:bodyPr/>
-          <a:lstStyle/>
-          <a:p>
-            <a:r>
-              <a:rPr lang="ko-KR" altLang="en-US" dirty="0"/>
-              <a:t>프로젝트 수행 절차 및 방법</a:t>
-            </a:r>
-          </a:p>
-        </p:txBody>
-      </p:sp>
-      <p:sp>
-        <p:nvSpPr>
-          <p:cNvPr id="3" name="내용 개체 틀 2">
-            <a:extLst>
-              <a:ext uri="{FF2B5EF4-FFF2-40B4-BE49-F238E27FC236}">
-                <a16:creationId xmlns:a16="http://schemas.microsoft.com/office/drawing/2014/main" id="{04FBBBE7-1174-1750-B408-ACD1890AE465}"/>
-              </a:ext>
-            </a:extLst>
-          </p:cNvPr>
-          <p:cNvSpPr>
-            <a:spLocks noGrp="1"/>
-          </p:cNvSpPr>
-          <p:nvPr>
-            <p:ph idx="1"/>
-          </p:nvPr>
-        </p:nvSpPr>
-        <p:spPr/>
-        <p:txBody>
-          <a:bodyPr/>
-          <a:lstStyle/>
-          <a:p>
-            <a:r>
-              <a:rPr lang="ko-KR" altLang="en-US" dirty="0" err="1"/>
-              <a:t>박신환이</a:t>
-            </a:r>
-            <a:r>
-              <a:rPr lang="ko-KR" altLang="en-US" dirty="0"/>
-              <a:t> 짠 </a:t>
-            </a:r>
-            <a:r>
-              <a:rPr lang="en-US" altLang="ko-KR" dirty="0"/>
-              <a:t>UML</a:t>
-            </a:r>
-            <a:r>
-              <a:rPr lang="ko-KR" altLang="en-US" dirty="0"/>
-              <a:t>을 기반으로 하여 각자가 맡은 파트 구현</a:t>
-            </a:r>
-            <a:endParaRPr lang="en-US" altLang="ko-KR" dirty="0"/>
-          </a:p>
-          <a:p>
-            <a:r>
-              <a:rPr lang="en-US" altLang="ko-KR" dirty="0"/>
-              <a:t>Scene</a:t>
-            </a:r>
-            <a:r>
-              <a:rPr lang="ko-KR" altLang="en-US" dirty="0"/>
-              <a:t>의 경우 </a:t>
-            </a:r>
-            <a:r>
-              <a:rPr lang="en-US" altLang="ko-KR" dirty="0" err="1"/>
-              <a:t>Github</a:t>
-            </a:r>
-            <a:r>
-              <a:rPr lang="ko-KR" altLang="en-US" dirty="0"/>
-              <a:t>에서 충돌이 일어나지 않게끔 </a:t>
-            </a:r>
-            <a:r>
-              <a:rPr lang="ko-KR" altLang="en-US" dirty="0" err="1"/>
-              <a:t>씬을</a:t>
-            </a:r>
-            <a:r>
-              <a:rPr lang="ko-KR" altLang="en-US" dirty="0"/>
-              <a:t> 여러 개로 복사하여 각자 가지기</a:t>
-            </a:r>
-            <a:endParaRPr lang="en-US" altLang="ko-KR" dirty="0"/>
-          </a:p>
-          <a:p>
-            <a:r>
-              <a:rPr lang="ko-KR" altLang="en-US" dirty="0"/>
-              <a:t>문제점이 생길 경우 팀원과 상의</a:t>
-            </a:r>
-            <a:r>
-              <a:rPr lang="en-US" altLang="ko-KR" dirty="0"/>
-              <a:t>, </a:t>
-            </a:r>
-            <a:r>
-              <a:rPr lang="ko-KR" altLang="en-US" dirty="0"/>
-              <a:t>그래도 해결책이 안 나오면 </a:t>
-            </a:r>
-            <a:r>
-              <a:rPr lang="ko-KR" altLang="en-US" dirty="0" err="1"/>
-              <a:t>튜터님께</a:t>
-            </a:r>
-            <a:r>
-              <a:rPr lang="ko-KR" altLang="en-US" dirty="0"/>
-              <a:t> 여쭈기</a:t>
-            </a:r>
-            <a:endParaRPr lang="en-US" altLang="ko-KR" dirty="0"/>
-          </a:p>
-          <a:p>
-            <a:endParaRPr lang="ko-KR" altLang="en-US" dirty="0"/>
-          </a:p>
-        </p:txBody>
-      </p:sp>
-    </p:spTree>
-    <p:extLst>
-      <p:ext uri="{BB962C8B-B14F-4D97-AF65-F5344CB8AC3E}">
-        <p14:creationId xmlns:p14="http://schemas.microsoft.com/office/powerpoint/2010/main" val="1897494653"/>
-      </p:ext>
-    </p:extLst>
-  </p:cSld>
-  <p:clrMapOvr>
-    <a:masterClrMapping/>
-  </p:clrMapOvr>
-</p:sld>
-</file>
-
-<file path=ppt/slides/slide7.xml><?xml version="1.0" encoding="utf-8"?>
-<p:sld xmlns:a="http://schemas.openxmlformats.org/drawingml/2006/main" xmlns:r="http://schemas.openxmlformats.org/officeDocument/2006/relationships" xmlns:p="http://schemas.openxmlformats.org/presentationml/2006/main">
-  <p:cSld>
-    <p:spTree>
-      <p:nvGrpSpPr>
-        <p:cNvPr id="1" name=""/>
-        <p:cNvGrpSpPr/>
-        <p:nvPr/>
-      </p:nvGrpSpPr>
-      <p:grpSpPr>
-        <a:xfrm>
-          <a:off x="0" y="0"/>
-          <a:ext cx="0" cy="0"/>
-          <a:chOff x="0" y="0"/>
-          <a:chExt cx="0" cy="0"/>
-        </a:xfrm>
-      </p:grpSpPr>
-      <p:sp>
-        <p:nvSpPr>
-          <p:cNvPr id="2" name="제목 1">
-            <a:extLst>
-              <a:ext uri="{FF2B5EF4-FFF2-40B4-BE49-F238E27FC236}">
                 <a16:creationId xmlns:a16="http://schemas.microsoft.com/office/drawing/2014/main" id="{E0CD91A1-8BB3-8A25-7A4C-A02D10CDCAFB}"/>
               </a:ext>
             </a:extLst>
@@ -11501,7 +12016,7 @@
 </p:sld>
 </file>
 
-<file path=ppt/slides/slide8.xml><?xml version="1.0" encoding="utf-8"?>
+<file path=ppt/slides/slide7.xml><?xml version="1.0" encoding="utf-8"?>
 <p:sld xmlns:a="http://schemas.openxmlformats.org/drawingml/2006/main" xmlns:r="http://schemas.openxmlformats.org/officeDocument/2006/relationships" xmlns:p="http://schemas.openxmlformats.org/presentationml/2006/main">
   <p:cSld>
     <p:spTree>
@@ -11599,6 +12114,223 @@
 </p:sld>
 </file>
 
+<file path=ppt/slides/slide8.xml><?xml version="1.0" encoding="utf-8"?>
+<p:sld xmlns:a="http://schemas.openxmlformats.org/drawingml/2006/main" xmlns:r="http://schemas.openxmlformats.org/officeDocument/2006/relationships" xmlns:p="http://schemas.openxmlformats.org/presentationml/2006/main">
+  <p:cSld>
+    <p:spTree>
+      <p:nvGrpSpPr>
+        <p:cNvPr id="1" name=""/>
+        <p:cNvGrpSpPr/>
+        <p:nvPr/>
+      </p:nvGrpSpPr>
+      <p:grpSpPr>
+        <a:xfrm>
+          <a:off x="0" y="0"/>
+          <a:ext cx="0" cy="0"/>
+          <a:chOff x="0" y="0"/>
+          <a:chExt cx="0" cy="0"/>
+        </a:xfrm>
+      </p:grpSpPr>
+      <p:sp>
+        <p:nvSpPr>
+          <p:cNvPr id="2" name="제목 1">
+            <a:extLst>
+              <a:ext uri="{FF2B5EF4-FFF2-40B4-BE49-F238E27FC236}">
+                <a16:creationId xmlns:a16="http://schemas.microsoft.com/office/drawing/2014/main" id="{64B4BEFE-25A3-D356-3C9B-8FD2E3401CE0}"/>
+              </a:ext>
+            </a:extLst>
+          </p:cNvPr>
+          <p:cNvSpPr>
+            <a:spLocks noGrp="1"/>
+          </p:cNvSpPr>
+          <p:nvPr>
+            <p:ph type="title"/>
+          </p:nvPr>
+        </p:nvSpPr>
+        <p:spPr/>
+        <p:txBody>
+          <a:bodyPr/>
+          <a:lstStyle/>
+          <a:p>
+            <a:r>
+              <a:rPr lang="ko-KR" altLang="en-US" dirty="0"/>
+              <a:t>프로젝트 수행 경과 </a:t>
+            </a:r>
+            <a:r>
+              <a:rPr lang="en-US" altLang="ko-KR" dirty="0"/>
+              <a:t>– </a:t>
+            </a:r>
+            <a:r>
+              <a:rPr lang="ko-KR" altLang="en-US" dirty="0"/>
+              <a:t>피드백 내용</a:t>
+            </a:r>
+          </a:p>
+        </p:txBody>
+      </p:sp>
+      <p:sp>
+        <p:nvSpPr>
+          <p:cNvPr id="3" name="내용 개체 틀 2">
+            <a:extLst>
+              <a:ext uri="{FF2B5EF4-FFF2-40B4-BE49-F238E27FC236}">
+                <a16:creationId xmlns:a16="http://schemas.microsoft.com/office/drawing/2014/main" id="{4F1D9E12-6ACC-66A5-64B2-1465ECD78FEF}"/>
+              </a:ext>
+            </a:extLst>
+          </p:cNvPr>
+          <p:cNvSpPr>
+            <a:spLocks noGrp="1"/>
+          </p:cNvSpPr>
+          <p:nvPr>
+            <p:ph idx="1"/>
+          </p:nvPr>
+        </p:nvSpPr>
+        <p:spPr/>
+        <p:txBody>
+          <a:bodyPr/>
+          <a:lstStyle/>
+          <a:p>
+            <a:r>
+              <a:rPr lang="en-US" altLang="ko-KR" dirty="0"/>
+              <a:t>Q1. </a:t>
+            </a:r>
+            <a:r>
+              <a:rPr lang="ko-KR" altLang="en-US" dirty="0"/>
+              <a:t>마우스를 움직이고 있지 않을 때 공이 패들에 부딪히면 패들이 멋대로 한쪽으로 움직인다</a:t>
+            </a:r>
+            <a:r>
+              <a:rPr lang="en-US" altLang="ko-KR" dirty="0"/>
+              <a:t>.</a:t>
+            </a:r>
+          </a:p>
+          <a:p>
+            <a:r>
+              <a:rPr lang="en-US" altLang="ko-KR" dirty="0"/>
+              <a:t>A1. </a:t>
+            </a:r>
+            <a:r>
+              <a:rPr lang="en-US" altLang="ko-KR" dirty="0" err="1"/>
+              <a:t>Rigidbody</a:t>
+            </a:r>
+            <a:r>
+              <a:rPr lang="en-US" altLang="ko-KR" dirty="0"/>
+              <a:t> 2D</a:t>
+            </a:r>
+            <a:r>
+              <a:rPr lang="ko-KR" altLang="en-US" dirty="0"/>
+              <a:t>에서 </a:t>
+            </a:r>
+            <a:r>
+              <a:rPr lang="en-US" altLang="ko-KR" dirty="0"/>
+              <a:t>y</a:t>
+            </a:r>
+            <a:r>
+              <a:rPr lang="ko-KR" altLang="en-US" dirty="0"/>
+              <a:t>좌표</a:t>
+            </a:r>
+            <a:r>
+              <a:rPr lang="en-US" altLang="ko-KR" dirty="0"/>
+              <a:t>, z</a:t>
+            </a:r>
+            <a:r>
+              <a:rPr lang="ko-KR" altLang="en-US" dirty="0" err="1"/>
+              <a:t>축회전</a:t>
+            </a:r>
+            <a:r>
+              <a:rPr lang="ko-KR" altLang="en-US" dirty="0"/>
+              <a:t> 뿐만 아니라 </a:t>
+            </a:r>
+            <a:r>
+              <a:rPr lang="en-US" altLang="ko-KR" dirty="0"/>
+              <a:t>x</a:t>
+            </a:r>
+            <a:r>
+              <a:rPr lang="ko-KR" altLang="en-US" dirty="0"/>
+              <a:t>좌표도 고정할 것</a:t>
+            </a:r>
+            <a:r>
+              <a:rPr lang="en-US" altLang="ko-KR" dirty="0"/>
+              <a:t>. </a:t>
+            </a:r>
+            <a:r>
+              <a:rPr lang="ko-KR" altLang="en-US" dirty="0"/>
+              <a:t>그렇게 하더라도 </a:t>
+            </a:r>
+            <a:r>
+              <a:rPr lang="en-US" altLang="ko-KR" dirty="0" err="1"/>
+              <a:t>OnMove</a:t>
+            </a:r>
+            <a:r>
+              <a:rPr lang="en-US" altLang="ko-KR" dirty="0"/>
+              <a:t> </a:t>
+            </a:r>
+            <a:r>
+              <a:rPr lang="ko-KR" altLang="en-US" dirty="0"/>
+              <a:t>메서드에서 </a:t>
+            </a:r>
+            <a:r>
+              <a:rPr lang="en-US" altLang="ko-KR" dirty="0"/>
+              <a:t>x</a:t>
+            </a:r>
+            <a:r>
+              <a:rPr lang="ko-KR" altLang="en-US" dirty="0"/>
+              <a:t>좌표 위치를 강제로 바꾸는 것은 가능하다</a:t>
+            </a:r>
+            <a:r>
+              <a:rPr lang="en-US" altLang="ko-KR" dirty="0"/>
+              <a:t>.</a:t>
+            </a:r>
+          </a:p>
+          <a:p>
+            <a:r>
+              <a:rPr lang="en-US" altLang="ko-KR" dirty="0"/>
+              <a:t>Q2. </a:t>
+            </a:r>
+            <a:r>
+              <a:rPr lang="ko-KR" altLang="en-US" dirty="0"/>
+              <a:t>공이 벽돌에 부딪힐 때 공이 수평으로 튕겨서 게임 진행이 불가능해지는 경우가 있다</a:t>
+            </a:r>
+            <a:r>
+              <a:rPr lang="en-US" altLang="ko-KR" dirty="0"/>
+              <a:t>.</a:t>
+            </a:r>
+          </a:p>
+          <a:p>
+            <a:r>
+              <a:rPr lang="en-US" altLang="ko-KR" dirty="0"/>
+              <a:t>A2. </a:t>
+            </a:r>
+            <a:r>
+              <a:rPr lang="ko-KR" altLang="en-US" dirty="0"/>
+              <a:t>공의 </a:t>
+            </a:r>
+            <a:r>
+              <a:rPr lang="en-US" altLang="ko-KR" dirty="0"/>
+              <a:t>OnCollisionExit2D </a:t>
+            </a:r>
+            <a:r>
+              <a:rPr lang="ko-KR" altLang="en-US" dirty="0"/>
+              <a:t>메서드에서 공의 진행방향을 제한함으로써 해결할 수 있다</a:t>
+            </a:r>
+            <a:r>
+              <a:rPr lang="en-US" altLang="ko-KR" dirty="0"/>
+              <a:t>.</a:t>
+            </a:r>
+            <a:endParaRPr lang="ko-KR" altLang="en-US" dirty="0"/>
+          </a:p>
+        </p:txBody>
+      </p:sp>
+    </p:spTree>
+    <p:extLst>
+      <p:ext uri="{BB962C8B-B14F-4D97-AF65-F5344CB8AC3E}">
+        <p14:creationId xmlns:p14="http://schemas.microsoft.com/office/powerpoint/2010/main" val="2740647433"/>
+      </p:ext>
+    </p:extLst>
+  </p:cSld>
+  <p:clrMapOvr>
+    <a:masterClrMapping/>
+  </p:clrMapOvr>
+</p:sld>
+</file>
+
 <file path=ppt/slides/slide9.xml><?xml version="1.0" encoding="utf-8"?>
 <p:sld xmlns:a="http://schemas.openxmlformats.org/drawingml/2006/main" xmlns:r="http://schemas.openxmlformats.org/officeDocument/2006/relationships" xmlns:p="http://schemas.openxmlformats.org/presentationml/2006/main">
   <p:cSld>
@@ -11621,7 +12353,7 @@
           <p:cNvPr id="2" name="제목 1">
             <a:extLst>
               <a:ext uri="{FF2B5EF4-FFF2-40B4-BE49-F238E27FC236}">
-                <a16:creationId xmlns:a16="http://schemas.microsoft.com/office/drawing/2014/main" id="{64B4BEFE-25A3-D356-3C9B-8FD2E3401CE0}"/>
+                <a16:creationId xmlns:a16="http://schemas.microsoft.com/office/drawing/2014/main" id="{0D40647E-B5FB-428C-EF5B-39B5813E24B1}"/>
               </a:ext>
             </a:extLst>
           </p:cNvPr>
@@ -11639,15 +12371,7 @@
           <a:p>
             <a:r>
               <a:rPr lang="ko-KR" altLang="en-US" dirty="0"/>
-              <a:t>프로젝트 수행 경과 </a:t>
-            </a:r>
-            <a:r>
-              <a:rPr lang="en-US" altLang="ko-KR" dirty="0"/>
-              <a:t>– </a:t>
-            </a:r>
-            <a:r>
-              <a:rPr lang="ko-KR" altLang="en-US" dirty="0"/>
-              <a:t>피드백 내용</a:t>
+              <a:t>자체 평가 의견</a:t>
             </a:r>
           </a:p>
         </p:txBody>
@@ -11657,7 +12381,7 @@
           <p:cNvPr id="3" name="내용 개체 틀 2">
             <a:extLst>
               <a:ext uri="{FF2B5EF4-FFF2-40B4-BE49-F238E27FC236}">
-                <a16:creationId xmlns:a16="http://schemas.microsoft.com/office/drawing/2014/main" id="{4F1D9E12-6ACC-66A5-64B2-1465ECD78FEF}"/>
+                <a16:creationId xmlns:a16="http://schemas.microsoft.com/office/drawing/2014/main" id="{728D1B4F-C690-45C6-EB14-30D8D683D742}"/>
               </a:ext>
             </a:extLst>
           </p:cNvPr>
@@ -11674,12 +12398,72 @@
           <a:lstStyle/>
           <a:p>
             <a:r>
+              <a:rPr lang="ko-KR" altLang="en-US" dirty="0"/>
+              <a:t>완성도</a:t>
+            </a:r>
+            <a:r>
               <a:rPr lang="en-US" altLang="ko-KR" dirty="0"/>
-              <a:t>Q1. </a:t>
-            </a:r>
+              <a:t>: 6/10</a:t>
+            </a:r>
+          </a:p>
+          <a:p>
             <a:r>
               <a:rPr lang="ko-KR" altLang="en-US" dirty="0"/>
-              <a:t>마우스를 움직이고 있지 않을 때 공이 패들에 부딪히면 패들이 멋대로 한쪽으로 움직인다</a:t>
+              <a:t>잘한 부분</a:t>
+            </a:r>
+            <a:r>
+              <a:rPr lang="en-US" altLang="ko-KR" dirty="0"/>
+              <a:t>: </a:t>
+            </a:r>
+            <a:r>
+              <a:rPr lang="ko-KR" altLang="en-US" dirty="0"/>
+              <a:t>각자 맡은 일 잘 해낸 것</a:t>
+            </a:r>
+            <a:r>
+              <a:rPr lang="en-US" altLang="ko-KR" dirty="0"/>
+              <a:t>, </a:t>
+            </a:r>
+            <a:r>
+              <a:rPr lang="ko-KR" altLang="en-US" dirty="0"/>
+              <a:t>어려움이 있을 때 적극적으로 소통한 것</a:t>
+            </a:r>
+            <a:endParaRPr lang="en-US" altLang="ko-KR" dirty="0"/>
+          </a:p>
+          <a:p>
+            <a:r>
+              <a:rPr lang="ko-KR" altLang="en-US" dirty="0"/>
+              <a:t>아쉬운 점</a:t>
+            </a:r>
+            <a:r>
+              <a:rPr lang="en-US" altLang="ko-KR" dirty="0"/>
+              <a:t>: </a:t>
+            </a:r>
+            <a:r>
+              <a:rPr lang="ko-KR" altLang="en-US" dirty="0"/>
+              <a:t>각종 어려움으로 인해 진행 속도가 </a:t>
+            </a:r>
+            <a:r>
+              <a:rPr lang="ko-KR" altLang="en-US" dirty="0" err="1"/>
+              <a:t>느렸던</a:t>
+            </a:r>
+            <a:r>
+              <a:rPr lang="ko-KR" altLang="en-US" dirty="0"/>
+              <a:t> 것</a:t>
+            </a:r>
+            <a:endParaRPr lang="en-US" altLang="ko-KR" dirty="0"/>
+          </a:p>
+          <a:p>
+            <a:r>
+              <a:rPr lang="ko-KR" altLang="en-US" dirty="0"/>
+              <a:t>느낀 점</a:t>
+            </a:r>
+            <a:r>
+              <a:rPr lang="en-US" altLang="ko-KR" dirty="0"/>
+              <a:t>: </a:t>
+            </a:r>
+            <a:r>
+              <a:rPr lang="ko-KR" altLang="en-US" dirty="0"/>
+              <a:t>유니티의 기초를 잘 다져야 하다는 생각이 들었다</a:t>
             </a:r>
             <a:r>
               <a:rPr lang="en-US" altLang="ko-KR" dirty="0"/>
@@ -11688,117 +12472,24 @@
           </a:p>
           <a:p>
             <a:r>
-              <a:rPr lang="en-US" altLang="ko-KR" dirty="0"/>
-              <a:t>A1. </a:t>
-            </a:r>
-            <a:r>
-              <a:rPr lang="en-US" altLang="ko-KR" dirty="0" err="1"/>
-              <a:t>Rigidbody</a:t>
-            </a:r>
-            <a:r>
-              <a:rPr lang="en-US" altLang="ko-KR" dirty="0"/>
-              <a:t> 2D</a:t>
-            </a:r>
-            <a:r>
               <a:rPr lang="ko-KR" altLang="en-US" dirty="0"/>
-              <a:t>에서 </a:t>
-            </a:r>
-            <a:r>
-              <a:rPr lang="en-US" altLang="ko-KR" dirty="0"/>
-              <a:t>y</a:t>
+              <a:t>개선할 점</a:t>
+            </a:r>
+            <a:r>
+              <a:rPr lang="en-US" altLang="ko-KR"/>
+              <a:t>: </a:t>
+            </a:r>
+            <a:r>
+              <a:rPr lang="ko-KR" altLang="en-US"/>
+              <a:t>게임 </a:t>
             </a:r>
             <a:r>
               <a:rPr lang="ko-KR" altLang="en-US" dirty="0"/>
-              <a:t>좌표</a:t>
-            </a:r>
-            <a:r>
-              <a:rPr lang="en-US" altLang="ko-KR" dirty="0"/>
-              <a:t>, z</a:t>
-            </a:r>
-            <a:r>
-              <a:rPr lang="ko-KR" altLang="en-US" dirty="0" err="1"/>
-              <a:t>축회전</a:t>
-            </a:r>
-            <a:r>
-              <a:rPr lang="ko-KR" altLang="en-US" dirty="0"/>
-              <a:t> 뿐만 아니라 </a:t>
-            </a:r>
-            <a:r>
-              <a:rPr lang="en-US" altLang="ko-KR" dirty="0"/>
-              <a:t>x</a:t>
-            </a:r>
-            <a:r>
-              <a:rPr lang="ko-KR" altLang="en-US" dirty="0"/>
-              <a:t>좌표도 고정할 것</a:t>
-            </a:r>
-            <a:r>
-              <a:rPr lang="en-US" altLang="ko-KR" dirty="0"/>
-              <a:t>. </a:t>
-            </a:r>
-            <a:r>
-              <a:rPr lang="ko-KR" altLang="en-US" dirty="0"/>
-              <a:t>그렇게 하더라도 </a:t>
-            </a:r>
-            <a:r>
-              <a:rPr lang="en-US" altLang="ko-KR" dirty="0" err="1"/>
-              <a:t>OnMove</a:t>
-            </a:r>
-            <a:r>
-              <a:rPr lang="en-US" altLang="ko-KR" dirty="0"/>
-              <a:t> </a:t>
-            </a:r>
-            <a:r>
-              <a:rPr lang="ko-KR" altLang="en-US" dirty="0"/>
-              <a:t>메서드에서 </a:t>
-            </a:r>
-            <a:r>
-              <a:rPr lang="en-US" altLang="ko-KR" dirty="0"/>
-              <a:t>x</a:t>
-            </a:r>
-            <a:r>
-              <a:rPr lang="ko-KR" altLang="en-US" dirty="0"/>
-              <a:t>좌표 위치를 강제로 바꾸는 것은 가능하다</a:t>
-            </a:r>
-            <a:r>
-              <a:rPr lang="en-US" altLang="ko-KR" dirty="0"/>
-              <a:t>.</a:t>
-            </a:r>
-          </a:p>
-          <a:p>
-            <a:r>
-              <a:rPr lang="en-US" altLang="ko-KR" dirty="0"/>
-              <a:t>Q2. </a:t>
-            </a:r>
-            <a:r>
-              <a:rPr lang="ko-KR" altLang="en-US" dirty="0"/>
-              <a:t>공이 벽돌에 부딪힐 때 공이 수평으로 튕겨서 게임 진행이 불가능해지는 경우가 있다</a:t>
-            </a:r>
-            <a:r>
-              <a:rPr lang="en-US" altLang="ko-KR" dirty="0"/>
-              <a:t>.</a:t>
-            </a:r>
-          </a:p>
-          <a:p>
-            <a:r>
-              <a:rPr lang="en-US" altLang="ko-KR" dirty="0"/>
-              <a:t>A2. </a:t>
-            </a:r>
-            <a:r>
-              <a:rPr lang="ko-KR" altLang="en-US" dirty="0"/>
-              <a:t>공의 </a:t>
-            </a:r>
-            <a:r>
-              <a:rPr lang="en-US" altLang="ko-KR" dirty="0"/>
-              <a:t>OnCollisionExit2D </a:t>
-            </a:r>
-            <a:r>
-              <a:rPr lang="ko-KR" altLang="en-US" dirty="0"/>
-              <a:t>메서드에서 공의 진행방향을 제한함으로써 해결할 수 있다</a:t>
-            </a:r>
-            <a:r>
-              <a:rPr lang="en-US" altLang="ko-KR" dirty="0"/>
-              <a:t>.</a:t>
-            </a:r>
+              <a:t>로직 최적화 등</a:t>
+            </a:r>
+            <a:endParaRPr lang="en-US" altLang="ko-KR" dirty="0"/>
+          </a:p>
+          <a:p>
             <a:endParaRPr lang="ko-KR" altLang="en-US" dirty="0"/>
           </a:p>
         </p:txBody>
@@ -11806,7 +12497,7 @@
     </p:spTree>
     <p:extLst>
       <p:ext uri="{BB962C8B-B14F-4D97-AF65-F5344CB8AC3E}">
-        <p14:creationId xmlns:p14="http://schemas.microsoft.com/office/powerpoint/2010/main" val="2740647433"/>
+        <p14:creationId xmlns:p14="http://schemas.microsoft.com/office/powerpoint/2010/main" val="121622213"/>
       </p:ext>
     </p:extLst>
   </p:cSld>

--- a/결과보고서_B11팀(벽돌깨기).pptx
+++ b/결과보고서_B11팀(벽돌깨기).pptx
@@ -14,7 +14,11 @@
     <p:sldId id="261" r:id="rId8"/>
     <p:sldId id="262" r:id="rId9"/>
     <p:sldId id="263" r:id="rId10"/>
-    <p:sldId id="264" r:id="rId11"/>
+    <p:sldId id="270" r:id="rId11"/>
+    <p:sldId id="264" r:id="rId12"/>
+    <p:sldId id="267" r:id="rId13"/>
+    <p:sldId id="268" r:id="rId14"/>
+    <p:sldId id="269" r:id="rId15"/>
   </p:sldIdLst>
   <p:sldSz cx="12192000" cy="6858000"/>
   <p:notesSz cx="6858000" cy="9144000"/>
@@ -10138,7 +10142,7 @@
         <p:spPr>
           <a:xfrm>
             <a:off x="7524750" y="3878572"/>
-            <a:ext cx="3365500" cy="369332"/>
+            <a:ext cx="1479550" cy="1200329"/>
           </a:xfrm>
           <a:prstGeom prst="rect">
             <a:avLst/>
@@ -10152,28 +10156,41 @@
           <a:lstStyle/>
           <a:p>
             <a:r>
+              <a:rPr lang="ko-KR" altLang="en-US" b="1" dirty="0"/>
+              <a:t>팀장 </a:t>
+            </a:r>
+            <a:r>
               <a:rPr lang="ko-KR" altLang="en-US" b="1" dirty="0" err="1"/>
               <a:t>박신환</a:t>
             </a:r>
-            <a:r>
-              <a:rPr lang="en-US" altLang="ko-KR" b="1" dirty="0"/>
-              <a:t>, </a:t>
+            <a:endParaRPr lang="en-US" altLang="ko-KR" b="1" dirty="0"/>
+          </a:p>
+          <a:p>
+            <a:r>
+              <a:rPr lang="ko-KR" altLang="en-US" b="1" dirty="0"/>
+              <a:t>팀원 </a:t>
             </a:r>
             <a:r>
               <a:rPr lang="ko-KR" altLang="en-US" b="1" dirty="0" err="1"/>
               <a:t>윤정빈</a:t>
             </a:r>
-            <a:r>
-              <a:rPr lang="en-US" altLang="ko-KR" b="1" dirty="0"/>
-              <a:t>, </a:t>
+            <a:endParaRPr lang="en-US" altLang="ko-KR" b="1" dirty="0"/>
+          </a:p>
+          <a:p>
+            <a:r>
+              <a:rPr lang="ko-KR" altLang="en-US" b="1" dirty="0"/>
+              <a:t>팀원 </a:t>
             </a:r>
             <a:r>
               <a:rPr lang="ko-KR" altLang="en-US" b="1" dirty="0" err="1"/>
               <a:t>이충민</a:t>
             </a:r>
-            <a:r>
-              <a:rPr lang="en-US" altLang="ko-KR" b="1" dirty="0"/>
-              <a:t>, </a:t>
+            <a:endParaRPr lang="en-US" altLang="ko-KR" b="1" dirty="0"/>
+          </a:p>
+          <a:p>
+            <a:r>
+              <a:rPr lang="ko-KR" altLang="en-US" b="1" dirty="0"/>
+              <a:t>팀원 </a:t>
             </a:r>
             <a:r>
               <a:rPr lang="ko-KR" altLang="en-US" b="1" dirty="0" err="1"/>
@@ -10252,6 +10269,684 @@
         </p:txBody>
       </p:sp>
     </p:spTree>
+  </p:cSld>
+  <p:clrMapOvr>
+    <a:masterClrMapping/>
+  </p:clrMapOvr>
+</p:sld>
+</file>
+
+<file path=ppt/slides/slide10.xml><?xml version="1.0" encoding="utf-8"?>
+<p:sld xmlns:a="http://schemas.openxmlformats.org/drawingml/2006/main" xmlns:r="http://schemas.openxmlformats.org/officeDocument/2006/relationships" xmlns:p="http://schemas.openxmlformats.org/presentationml/2006/main">
+  <p:cSld>
+    <p:spTree>
+      <p:nvGrpSpPr>
+        <p:cNvPr id="1" name=""/>
+        <p:cNvGrpSpPr/>
+        <p:nvPr/>
+      </p:nvGrpSpPr>
+      <p:grpSpPr>
+        <a:xfrm>
+          <a:off x="0" y="0"/>
+          <a:ext cx="0" cy="0"/>
+          <a:chOff x="0" y="0"/>
+          <a:chExt cx="0" cy="0"/>
+        </a:xfrm>
+      </p:grpSpPr>
+      <p:sp>
+        <p:nvSpPr>
+          <p:cNvPr id="2" name="제목 1">
+            <a:extLst>
+              <a:ext uri="{FF2B5EF4-FFF2-40B4-BE49-F238E27FC236}">
+                <a16:creationId xmlns:a16="http://schemas.microsoft.com/office/drawing/2014/main" id="{0D40647E-B5FB-428C-EF5B-39B5813E24B1}"/>
+              </a:ext>
+            </a:extLst>
+          </p:cNvPr>
+          <p:cNvSpPr>
+            <a:spLocks noGrp="1"/>
+          </p:cNvSpPr>
+          <p:nvPr>
+            <p:ph type="title"/>
+          </p:nvPr>
+        </p:nvSpPr>
+        <p:spPr/>
+        <p:txBody>
+          <a:bodyPr/>
+          <a:lstStyle/>
+          <a:p>
+            <a:r>
+              <a:rPr lang="ko-KR" altLang="en-US" dirty="0"/>
+              <a:t>자체 평가 의견 </a:t>
+            </a:r>
+            <a:r>
+              <a:rPr lang="en-US" altLang="ko-KR" dirty="0"/>
+              <a:t>– </a:t>
+            </a:r>
+            <a:r>
+              <a:rPr lang="ko-KR" altLang="en-US" dirty="0"/>
+              <a:t>잘한 부분</a:t>
+            </a:r>
+          </a:p>
+        </p:txBody>
+      </p:sp>
+      <p:sp>
+        <p:nvSpPr>
+          <p:cNvPr id="3" name="내용 개체 틀 2">
+            <a:extLst>
+              <a:ext uri="{FF2B5EF4-FFF2-40B4-BE49-F238E27FC236}">
+                <a16:creationId xmlns:a16="http://schemas.microsoft.com/office/drawing/2014/main" id="{728D1B4F-C690-45C6-EB14-30D8D683D742}"/>
+              </a:ext>
+            </a:extLst>
+          </p:cNvPr>
+          <p:cNvSpPr>
+            <a:spLocks noGrp="1"/>
+          </p:cNvSpPr>
+          <p:nvPr>
+            <p:ph idx="1"/>
+          </p:nvPr>
+        </p:nvSpPr>
+        <p:spPr/>
+        <p:txBody>
+          <a:bodyPr/>
+          <a:lstStyle/>
+          <a:p>
+            <a:r>
+              <a:rPr lang="ko-KR" altLang="en-US" dirty="0" err="1"/>
+              <a:t>박신환</a:t>
+            </a:r>
+            <a:r>
+              <a:rPr lang="en-US" altLang="ko-KR" dirty="0"/>
+              <a:t>: </a:t>
+            </a:r>
+            <a:r>
+              <a:rPr lang="ko-KR" altLang="en-US" dirty="0"/>
+              <a:t>각자 맡은 일 잘 해낸 것</a:t>
+            </a:r>
+            <a:r>
+              <a:rPr lang="en-US" altLang="ko-KR" dirty="0"/>
+              <a:t>, </a:t>
+            </a:r>
+            <a:r>
+              <a:rPr lang="ko-KR" altLang="en-US" dirty="0"/>
+              <a:t>어려움이 있을 때 적극적으로 소통한 것</a:t>
+            </a:r>
+            <a:endParaRPr lang="en-US" altLang="ko-KR" dirty="0"/>
+          </a:p>
+          <a:p>
+            <a:r>
+              <a:rPr lang="ko-KR" altLang="en-US" dirty="0" err="1"/>
+              <a:t>윤정빈</a:t>
+            </a:r>
+            <a:r>
+              <a:rPr lang="en-US" altLang="ko-KR" dirty="0"/>
+              <a:t>: </a:t>
+            </a:r>
+            <a:r>
+              <a:rPr lang="ko-KR" altLang="en-US" dirty="0"/>
+              <a:t>아이템 만든 것</a:t>
+            </a:r>
+            <a:endParaRPr lang="en-US" altLang="ko-KR" dirty="0"/>
+          </a:p>
+          <a:p>
+            <a:r>
+              <a:rPr lang="ko-KR" altLang="en-US" dirty="0" err="1"/>
+              <a:t>이충민</a:t>
+            </a:r>
+            <a:r>
+              <a:rPr lang="en-US" altLang="ko-KR" dirty="0"/>
+              <a:t>: </a:t>
+            </a:r>
+            <a:r>
+              <a:rPr lang="ko-KR" altLang="en-US" dirty="0"/>
+              <a:t>블록 생성</a:t>
+            </a:r>
+            <a:r>
+              <a:rPr lang="en-US" altLang="ko-KR" dirty="0"/>
+              <a:t>, </a:t>
+            </a:r>
+            <a:r>
+              <a:rPr lang="ko-KR" altLang="en-US" dirty="0"/>
+              <a:t>레벨 디자인</a:t>
+            </a:r>
+            <a:endParaRPr lang="en-US" altLang="ko-KR" dirty="0"/>
+          </a:p>
+          <a:p>
+            <a:r>
+              <a:rPr lang="ko-KR" altLang="en-US" dirty="0" err="1"/>
+              <a:t>손두혁</a:t>
+            </a:r>
+            <a:r>
+              <a:rPr lang="en-US" altLang="ko-KR" dirty="0"/>
+              <a:t>: </a:t>
+            </a:r>
+            <a:r>
+              <a:rPr lang="ko-KR" altLang="en-US" dirty="0"/>
+              <a:t>전체적으로 만족</a:t>
+            </a:r>
+            <a:endParaRPr lang="en-US" altLang="ko-KR" dirty="0"/>
+          </a:p>
+          <a:p>
+            <a:endParaRPr lang="ko-KR" altLang="en-US" dirty="0"/>
+          </a:p>
+        </p:txBody>
+      </p:sp>
+    </p:spTree>
+    <p:extLst>
+      <p:ext uri="{BB962C8B-B14F-4D97-AF65-F5344CB8AC3E}">
+        <p14:creationId xmlns:p14="http://schemas.microsoft.com/office/powerpoint/2010/main" val="121622213"/>
+      </p:ext>
+    </p:extLst>
+  </p:cSld>
+  <p:clrMapOvr>
+    <a:masterClrMapping/>
+  </p:clrMapOvr>
+</p:sld>
+</file>
+
+<file path=ppt/slides/slide11.xml><?xml version="1.0" encoding="utf-8"?>
+<p:sld xmlns:a="http://schemas.openxmlformats.org/drawingml/2006/main" xmlns:r="http://schemas.openxmlformats.org/officeDocument/2006/relationships" xmlns:p="http://schemas.openxmlformats.org/presentationml/2006/main">
+  <p:cSld>
+    <p:spTree>
+      <p:nvGrpSpPr>
+        <p:cNvPr id="1" name=""/>
+        <p:cNvGrpSpPr/>
+        <p:nvPr/>
+      </p:nvGrpSpPr>
+      <p:grpSpPr>
+        <a:xfrm>
+          <a:off x="0" y="0"/>
+          <a:ext cx="0" cy="0"/>
+          <a:chOff x="0" y="0"/>
+          <a:chExt cx="0" cy="0"/>
+        </a:xfrm>
+      </p:grpSpPr>
+      <p:sp>
+        <p:nvSpPr>
+          <p:cNvPr id="2" name="제목 1">
+            <a:extLst>
+              <a:ext uri="{FF2B5EF4-FFF2-40B4-BE49-F238E27FC236}">
+                <a16:creationId xmlns:a16="http://schemas.microsoft.com/office/drawing/2014/main" id="{0D40647E-B5FB-428C-EF5B-39B5813E24B1}"/>
+              </a:ext>
+            </a:extLst>
+          </p:cNvPr>
+          <p:cNvSpPr>
+            <a:spLocks noGrp="1"/>
+          </p:cNvSpPr>
+          <p:nvPr>
+            <p:ph type="title"/>
+          </p:nvPr>
+        </p:nvSpPr>
+        <p:spPr/>
+        <p:txBody>
+          <a:bodyPr/>
+          <a:lstStyle/>
+          <a:p>
+            <a:r>
+              <a:rPr lang="ko-KR" altLang="en-US" dirty="0"/>
+              <a:t>자체 평가 의견 </a:t>
+            </a:r>
+            <a:r>
+              <a:rPr lang="en-US" altLang="ko-KR" dirty="0"/>
+              <a:t>– </a:t>
+            </a:r>
+            <a:r>
+              <a:rPr lang="ko-KR" altLang="en-US" dirty="0"/>
+              <a:t>아쉬운 점</a:t>
+            </a:r>
+          </a:p>
+        </p:txBody>
+      </p:sp>
+      <p:sp>
+        <p:nvSpPr>
+          <p:cNvPr id="3" name="내용 개체 틀 2">
+            <a:extLst>
+              <a:ext uri="{FF2B5EF4-FFF2-40B4-BE49-F238E27FC236}">
+                <a16:creationId xmlns:a16="http://schemas.microsoft.com/office/drawing/2014/main" id="{728D1B4F-C690-45C6-EB14-30D8D683D742}"/>
+              </a:ext>
+            </a:extLst>
+          </p:cNvPr>
+          <p:cNvSpPr>
+            <a:spLocks noGrp="1"/>
+          </p:cNvSpPr>
+          <p:nvPr>
+            <p:ph idx="1"/>
+          </p:nvPr>
+        </p:nvSpPr>
+        <p:spPr/>
+        <p:txBody>
+          <a:bodyPr/>
+          <a:lstStyle/>
+          <a:p>
+            <a:r>
+              <a:rPr lang="ko-KR" altLang="en-US" dirty="0" err="1"/>
+              <a:t>박신환</a:t>
+            </a:r>
+            <a:r>
+              <a:rPr lang="en-US" altLang="ko-KR" dirty="0"/>
+              <a:t>: </a:t>
+            </a:r>
+            <a:r>
+              <a:rPr lang="ko-KR" altLang="en-US" dirty="0"/>
+              <a:t>각종 어려움으로 인해 진행 속도가 </a:t>
+            </a:r>
+            <a:r>
+              <a:rPr lang="ko-KR" altLang="en-US" dirty="0" err="1"/>
+              <a:t>느렸던</a:t>
+            </a:r>
+            <a:r>
+              <a:rPr lang="ko-KR" altLang="en-US" dirty="0"/>
+              <a:t> 것</a:t>
+            </a:r>
+            <a:endParaRPr lang="en-US" altLang="ko-KR" dirty="0"/>
+          </a:p>
+          <a:p>
+            <a:r>
+              <a:rPr lang="ko-KR" altLang="en-US" dirty="0" err="1"/>
+              <a:t>윤정빈</a:t>
+            </a:r>
+            <a:r>
+              <a:rPr lang="en-US" altLang="ko-KR" dirty="0"/>
+              <a:t>: </a:t>
+            </a:r>
+            <a:r>
+              <a:rPr lang="ko-KR" altLang="en-US" dirty="0"/>
+              <a:t>추가 구현목록을 다 완성 못 한 것</a:t>
+            </a:r>
+            <a:endParaRPr lang="en-US" altLang="ko-KR" dirty="0"/>
+          </a:p>
+          <a:p>
+            <a:r>
+              <a:rPr lang="ko-KR" altLang="en-US" dirty="0" err="1"/>
+              <a:t>이충민</a:t>
+            </a:r>
+            <a:r>
+              <a:rPr lang="en-US" altLang="ko-KR" dirty="0"/>
+              <a:t>: </a:t>
+            </a:r>
+            <a:r>
+              <a:rPr lang="ko-KR" altLang="en-US" dirty="0" err="1"/>
+              <a:t>싱글톤에</a:t>
+            </a:r>
+            <a:r>
+              <a:rPr lang="ko-KR" altLang="en-US" dirty="0"/>
+              <a:t> 관한 이해가 부족했던 것</a:t>
+            </a:r>
+            <a:endParaRPr lang="en-US" altLang="ko-KR" dirty="0"/>
+          </a:p>
+          <a:p>
+            <a:r>
+              <a:rPr lang="ko-KR" altLang="en-US" dirty="0" err="1"/>
+              <a:t>손두혁</a:t>
+            </a:r>
+            <a:r>
+              <a:rPr lang="en-US" altLang="ko-KR" dirty="0"/>
+              <a:t>: </a:t>
+            </a:r>
+            <a:r>
+              <a:rPr lang="ko-KR" altLang="en-US" dirty="0"/>
+              <a:t>공을 좀 더 잘 구현할 방법이 있었을 것 같다</a:t>
+            </a:r>
+            <a:r>
+              <a:rPr lang="en-US" altLang="ko-KR" dirty="0"/>
+              <a:t>.</a:t>
+            </a:r>
+          </a:p>
+          <a:p>
+            <a:endParaRPr lang="ko-KR" altLang="en-US" dirty="0"/>
+          </a:p>
+        </p:txBody>
+      </p:sp>
+    </p:spTree>
+    <p:extLst>
+      <p:ext uri="{BB962C8B-B14F-4D97-AF65-F5344CB8AC3E}">
+        <p14:creationId xmlns:p14="http://schemas.microsoft.com/office/powerpoint/2010/main" val="535230208"/>
+      </p:ext>
+    </p:extLst>
+  </p:cSld>
+  <p:clrMapOvr>
+    <a:masterClrMapping/>
+  </p:clrMapOvr>
+</p:sld>
+</file>
+
+<file path=ppt/slides/slide12.xml><?xml version="1.0" encoding="utf-8"?>
+<p:sld xmlns:a="http://schemas.openxmlformats.org/drawingml/2006/main" xmlns:r="http://schemas.openxmlformats.org/officeDocument/2006/relationships" xmlns:p="http://schemas.openxmlformats.org/presentationml/2006/main">
+  <p:cSld>
+    <p:spTree>
+      <p:nvGrpSpPr>
+        <p:cNvPr id="1" name=""/>
+        <p:cNvGrpSpPr/>
+        <p:nvPr/>
+      </p:nvGrpSpPr>
+      <p:grpSpPr>
+        <a:xfrm>
+          <a:off x="0" y="0"/>
+          <a:ext cx="0" cy="0"/>
+          <a:chOff x="0" y="0"/>
+          <a:chExt cx="0" cy="0"/>
+        </a:xfrm>
+      </p:grpSpPr>
+      <p:sp>
+        <p:nvSpPr>
+          <p:cNvPr id="2" name="제목 1">
+            <a:extLst>
+              <a:ext uri="{FF2B5EF4-FFF2-40B4-BE49-F238E27FC236}">
+                <a16:creationId xmlns:a16="http://schemas.microsoft.com/office/drawing/2014/main" id="{0D40647E-B5FB-428C-EF5B-39B5813E24B1}"/>
+              </a:ext>
+            </a:extLst>
+          </p:cNvPr>
+          <p:cNvSpPr>
+            <a:spLocks noGrp="1"/>
+          </p:cNvSpPr>
+          <p:nvPr>
+            <p:ph type="title"/>
+          </p:nvPr>
+        </p:nvSpPr>
+        <p:spPr/>
+        <p:txBody>
+          <a:bodyPr/>
+          <a:lstStyle/>
+          <a:p>
+            <a:r>
+              <a:rPr lang="ko-KR" altLang="en-US" dirty="0"/>
+              <a:t>자체 평가 의견 </a:t>
+            </a:r>
+            <a:r>
+              <a:rPr lang="en-US" altLang="ko-KR" dirty="0"/>
+              <a:t>– </a:t>
+            </a:r>
+            <a:r>
+              <a:rPr lang="ko-KR" altLang="en-US" dirty="0"/>
+              <a:t>느낀 점</a:t>
+            </a:r>
+          </a:p>
+        </p:txBody>
+      </p:sp>
+      <p:sp>
+        <p:nvSpPr>
+          <p:cNvPr id="3" name="내용 개체 틀 2">
+            <a:extLst>
+              <a:ext uri="{FF2B5EF4-FFF2-40B4-BE49-F238E27FC236}">
+                <a16:creationId xmlns:a16="http://schemas.microsoft.com/office/drawing/2014/main" id="{728D1B4F-C690-45C6-EB14-30D8D683D742}"/>
+              </a:ext>
+            </a:extLst>
+          </p:cNvPr>
+          <p:cNvSpPr>
+            <a:spLocks noGrp="1"/>
+          </p:cNvSpPr>
+          <p:nvPr>
+            <p:ph idx="1"/>
+          </p:nvPr>
+        </p:nvSpPr>
+        <p:spPr/>
+        <p:txBody>
+          <a:bodyPr/>
+          <a:lstStyle/>
+          <a:p>
+            <a:r>
+              <a:rPr lang="ko-KR" altLang="en-US" dirty="0" err="1"/>
+              <a:t>박신환</a:t>
+            </a:r>
+            <a:r>
+              <a:rPr lang="en-US" altLang="ko-KR" dirty="0"/>
+              <a:t>: </a:t>
+            </a:r>
+            <a:r>
+              <a:rPr lang="ko-KR" altLang="en-US" dirty="0"/>
+              <a:t>유니티의 기초를 잘 다져야 하다는 생각이 들었다</a:t>
+            </a:r>
+            <a:r>
+              <a:rPr lang="en-US" altLang="ko-KR" dirty="0"/>
+              <a:t>.</a:t>
+            </a:r>
+          </a:p>
+          <a:p>
+            <a:r>
+              <a:rPr lang="ko-KR" altLang="en-US" dirty="0" err="1"/>
+              <a:t>윤정빈</a:t>
+            </a:r>
+            <a:r>
+              <a:rPr lang="en-US" altLang="ko-KR" dirty="0"/>
+              <a:t>: UI </a:t>
+            </a:r>
+            <a:r>
+              <a:rPr lang="ko-KR" altLang="en-US" dirty="0"/>
+              <a:t>구현이 어려웠다</a:t>
+            </a:r>
+            <a:r>
+              <a:rPr lang="en-US" altLang="ko-KR" dirty="0"/>
+              <a:t>. </a:t>
+            </a:r>
+            <a:r>
+              <a:rPr lang="ko-KR" altLang="en-US" dirty="0" err="1"/>
+              <a:t>코드끼리의</a:t>
+            </a:r>
+            <a:r>
+              <a:rPr lang="ko-KR" altLang="en-US" dirty="0"/>
+              <a:t> 종속성 </a:t>
+            </a:r>
+            <a:r>
+              <a:rPr lang="ko-KR" altLang="en-US"/>
+              <a:t>또한 까다로움을 유발했다</a:t>
+            </a:r>
+            <a:r>
+              <a:rPr lang="en-US" altLang="ko-KR"/>
+              <a:t>.</a:t>
+            </a:r>
+            <a:endParaRPr lang="en-US" altLang="ko-KR" dirty="0"/>
+          </a:p>
+          <a:p>
+            <a:r>
+              <a:rPr lang="ko-KR" altLang="en-US" dirty="0" err="1"/>
+              <a:t>이충민</a:t>
+            </a:r>
+            <a:r>
+              <a:rPr lang="en-US" altLang="ko-KR" dirty="0"/>
+              <a:t>: </a:t>
+            </a:r>
+            <a:r>
+              <a:rPr lang="ko-KR" altLang="en-US" dirty="0"/>
+              <a:t>더 많은 공부를 통해 기본지식을 더 쌓아야 할 것 같다</a:t>
+            </a:r>
+            <a:r>
+              <a:rPr lang="en-US" altLang="ko-KR" dirty="0"/>
+              <a:t>.</a:t>
+            </a:r>
+          </a:p>
+          <a:p>
+            <a:r>
+              <a:rPr lang="ko-KR" altLang="en-US" dirty="0" err="1"/>
+              <a:t>손두혁</a:t>
+            </a:r>
+            <a:r>
+              <a:rPr lang="en-US" altLang="ko-KR" dirty="0"/>
+              <a:t>: C#</a:t>
+            </a:r>
+            <a:r>
+              <a:rPr lang="ko-KR" altLang="en-US" dirty="0"/>
+              <a:t>과 유니티 기초가 좀 부족했던 것 같다</a:t>
+            </a:r>
+            <a:r>
+              <a:rPr lang="en-US" altLang="ko-KR" dirty="0"/>
+              <a:t>.</a:t>
+            </a:r>
+          </a:p>
+          <a:p>
+            <a:endParaRPr lang="en-US" altLang="ko-KR" dirty="0"/>
+          </a:p>
+          <a:p>
+            <a:endParaRPr lang="ko-KR" altLang="en-US" dirty="0"/>
+          </a:p>
+        </p:txBody>
+      </p:sp>
+    </p:spTree>
+    <p:extLst>
+      <p:ext uri="{BB962C8B-B14F-4D97-AF65-F5344CB8AC3E}">
+        <p14:creationId xmlns:p14="http://schemas.microsoft.com/office/powerpoint/2010/main" val="2935629303"/>
+      </p:ext>
+    </p:extLst>
+  </p:cSld>
+  <p:clrMapOvr>
+    <a:masterClrMapping/>
+  </p:clrMapOvr>
+</p:sld>
+</file>
+
+<file path=ppt/slides/slide13.xml><?xml version="1.0" encoding="utf-8"?>
+<p:sld xmlns:a="http://schemas.openxmlformats.org/drawingml/2006/main" xmlns:r="http://schemas.openxmlformats.org/officeDocument/2006/relationships" xmlns:p="http://schemas.openxmlformats.org/presentationml/2006/main">
+  <p:cSld>
+    <p:spTree>
+      <p:nvGrpSpPr>
+        <p:cNvPr id="1" name=""/>
+        <p:cNvGrpSpPr/>
+        <p:nvPr/>
+      </p:nvGrpSpPr>
+      <p:grpSpPr>
+        <a:xfrm>
+          <a:off x="0" y="0"/>
+          <a:ext cx="0" cy="0"/>
+          <a:chOff x="0" y="0"/>
+          <a:chExt cx="0" cy="0"/>
+        </a:xfrm>
+      </p:grpSpPr>
+      <p:sp>
+        <p:nvSpPr>
+          <p:cNvPr id="2" name="제목 1">
+            <a:extLst>
+              <a:ext uri="{FF2B5EF4-FFF2-40B4-BE49-F238E27FC236}">
+                <a16:creationId xmlns:a16="http://schemas.microsoft.com/office/drawing/2014/main" id="{0D40647E-B5FB-428C-EF5B-39B5813E24B1}"/>
+              </a:ext>
+            </a:extLst>
+          </p:cNvPr>
+          <p:cNvSpPr>
+            <a:spLocks noGrp="1"/>
+          </p:cNvSpPr>
+          <p:nvPr>
+            <p:ph type="title"/>
+          </p:nvPr>
+        </p:nvSpPr>
+        <p:spPr/>
+        <p:txBody>
+          <a:bodyPr/>
+          <a:lstStyle/>
+          <a:p>
+            <a:r>
+              <a:rPr lang="ko-KR" altLang="en-US" dirty="0"/>
+              <a:t>자체 평가 의견 </a:t>
+            </a:r>
+            <a:r>
+              <a:rPr lang="en-US" altLang="ko-KR" dirty="0"/>
+              <a:t>– </a:t>
+            </a:r>
+            <a:r>
+              <a:rPr lang="ko-KR" altLang="en-US" dirty="0"/>
+              <a:t>개선할 점</a:t>
+            </a:r>
+          </a:p>
+        </p:txBody>
+      </p:sp>
+      <p:sp>
+        <p:nvSpPr>
+          <p:cNvPr id="3" name="내용 개체 틀 2">
+            <a:extLst>
+              <a:ext uri="{FF2B5EF4-FFF2-40B4-BE49-F238E27FC236}">
+                <a16:creationId xmlns:a16="http://schemas.microsoft.com/office/drawing/2014/main" id="{728D1B4F-C690-45C6-EB14-30D8D683D742}"/>
+              </a:ext>
+            </a:extLst>
+          </p:cNvPr>
+          <p:cNvSpPr>
+            <a:spLocks noGrp="1"/>
+          </p:cNvSpPr>
+          <p:nvPr>
+            <p:ph idx="1"/>
+          </p:nvPr>
+        </p:nvSpPr>
+        <p:spPr/>
+        <p:txBody>
+          <a:bodyPr/>
+          <a:lstStyle/>
+          <a:p>
+            <a:r>
+              <a:rPr lang="ko-KR" altLang="en-US" dirty="0" err="1"/>
+              <a:t>박신환</a:t>
+            </a:r>
+            <a:r>
+              <a:rPr lang="en-US" altLang="ko-KR" dirty="0"/>
+              <a:t>: </a:t>
+            </a:r>
+            <a:r>
+              <a:rPr lang="ko-KR" altLang="en-US" dirty="0"/>
+              <a:t>게임 로직 최적화 등</a:t>
+            </a:r>
+            <a:endParaRPr lang="en-US" altLang="ko-KR" dirty="0"/>
+          </a:p>
+          <a:p>
+            <a:r>
+              <a:rPr lang="ko-KR" altLang="en-US" dirty="0" err="1"/>
+              <a:t>윤정빈</a:t>
+            </a:r>
+            <a:r>
+              <a:rPr lang="en-US" altLang="ko-KR" dirty="0"/>
+              <a:t>: </a:t>
+            </a:r>
+            <a:r>
+              <a:rPr lang="ko-KR" altLang="en-US" dirty="0"/>
+              <a:t>주석을 잘 달아야 한다</a:t>
+            </a:r>
+            <a:r>
+              <a:rPr lang="en-US" altLang="ko-KR" dirty="0"/>
+              <a:t>.</a:t>
+            </a:r>
+          </a:p>
+          <a:p>
+            <a:r>
+              <a:rPr lang="ko-KR" altLang="en-US" dirty="0" err="1"/>
+              <a:t>이충민</a:t>
+            </a:r>
+            <a:r>
+              <a:rPr lang="en-US" altLang="ko-KR" dirty="0"/>
+              <a:t>: </a:t>
+            </a:r>
+            <a:r>
+              <a:rPr lang="ko-KR" altLang="en-US" dirty="0"/>
+              <a:t>개발하는 데에 시간 배분을 잘 하자</a:t>
+            </a:r>
+            <a:r>
+              <a:rPr lang="en-US" altLang="ko-KR" dirty="0"/>
+              <a:t>.</a:t>
+            </a:r>
+          </a:p>
+          <a:p>
+            <a:r>
+              <a:rPr lang="ko-KR" altLang="en-US" dirty="0" err="1"/>
+              <a:t>손두혁</a:t>
+            </a:r>
+            <a:r>
+              <a:rPr lang="en-US" altLang="ko-KR" dirty="0"/>
+              <a:t>: </a:t>
+            </a:r>
+            <a:r>
+              <a:rPr lang="ko-KR" altLang="en-US" dirty="0" err="1"/>
+              <a:t>튜터님들을</a:t>
+            </a:r>
+            <a:r>
+              <a:rPr lang="ko-KR" altLang="en-US" dirty="0"/>
+              <a:t> 많이 이용하자</a:t>
+            </a:r>
+            <a:r>
+              <a:rPr lang="en-US" altLang="ko-KR" dirty="0"/>
+              <a:t>.</a:t>
+            </a:r>
+            <a:endParaRPr lang="ko-KR" altLang="en-US" dirty="0"/>
+          </a:p>
+        </p:txBody>
+      </p:sp>
+    </p:spTree>
+    <p:extLst>
+      <p:ext uri="{BB962C8B-B14F-4D97-AF65-F5344CB8AC3E}">
+        <p14:creationId xmlns:p14="http://schemas.microsoft.com/office/powerpoint/2010/main" val="2574017588"/>
+      </p:ext>
+    </p:extLst>
   </p:cSld>
   <p:clrMapOvr>
     <a:masterClrMapping/>
@@ -10481,7 +11176,15 @@
             </a:r>
             <a:r>
               <a:rPr lang="ko-KR" altLang="en-US" dirty="0"/>
-              <a:t>중 다수결로 주제를 </a:t>
+              <a:t>중 팀 내 논의를 통해 </a:t>
+            </a:r>
+            <a:r>
+              <a:rPr lang="en-US" altLang="ko-KR" dirty="0"/>
+              <a:t>Unity </a:t>
+            </a:r>
+            <a:r>
+              <a:rPr lang="ko-KR" altLang="en-US" dirty="0"/>
+              <a:t>기초를 다질 수 있는 기회가 될 수 있는 주제인 </a:t>
             </a:r>
             <a:r>
               <a:rPr lang="ko-KR" altLang="en-US" dirty="0" err="1"/>
@@ -10511,7 +11214,15 @@
             </a:r>
             <a:r>
               <a:rPr lang="en-US" altLang="ko-KR" dirty="0"/>
-              <a:t>, Box Collider 2D, </a:t>
+              <a:t>, </a:t>
+            </a:r>
+            <a:r>
+              <a:rPr lang="ko-KR" altLang="en-US" dirty="0"/>
+              <a:t>이번 주차에서 배운 </a:t>
+            </a:r>
+            <a:r>
+              <a:rPr lang="en-US" altLang="ko-KR" dirty="0"/>
+              <a:t>Box Collider 2D, </a:t>
             </a:r>
             <a:r>
               <a:rPr lang="en-US" altLang="ko-KR" dirty="0" err="1"/>
@@ -10523,7 +11234,15 @@
             </a:r>
             <a:r>
               <a:rPr lang="ko-KR" altLang="en-US" dirty="0"/>
-              <a:t>등의 컴포넌트를 활용한다</a:t>
+              <a:t>등의 컴포넌트를 활용하여 </a:t>
+            </a:r>
+            <a:r>
+              <a:rPr lang="ko-KR" altLang="en-US" dirty="0" err="1"/>
+              <a:t>벽돌깨기를</a:t>
+            </a:r>
+            <a:r>
+              <a:rPr lang="ko-KR" altLang="en-US" dirty="0"/>
+              <a:t> 구현할 수 있었다</a:t>
             </a:r>
             <a:r>
               <a:rPr lang="en-US" altLang="ko-KR" dirty="0"/>
@@ -10623,7 +11342,7 @@
             <p:ph idx="1"/>
             <p:extLst>
               <p:ext uri="{D42A27DB-BD31-4B8C-83A1-F6EECF244321}">
-                <p14:modId xmlns:p14="http://schemas.microsoft.com/office/powerpoint/2010/main" val="1869152688"/>
+                <p14:modId xmlns:p14="http://schemas.microsoft.com/office/powerpoint/2010/main" val="3158907747"/>
               </p:ext>
             </p:extLst>
           </p:nvPr>
@@ -10766,6 +11485,14 @@
                       <a:r>
                         <a:rPr lang="ko-KR" altLang="en-US" dirty="0"/>
                         <a:t>패들 구현</a:t>
+                      </a:r>
+                      <a:r>
+                        <a:rPr lang="en-US" altLang="ko-KR" dirty="0"/>
+                        <a:t>, </a:t>
+                      </a:r>
+                      <a:r>
+                        <a:rPr lang="ko-KR" altLang="en-US" dirty="0"/>
+                        <a:t>발표자료 작성</a:t>
                       </a:r>
                       <a:endParaRPr lang="en-US" altLang="ko-KR" dirty="0"/>
                     </a:p>
@@ -10910,7 +11637,7 @@
                       </a:r>
                       <a:r>
                         <a:rPr lang="ko-KR" altLang="en-US" dirty="0"/>
-                        <a:t>레벨 구현</a:t>
+                        <a:t>레벨 디자인</a:t>
                       </a:r>
                     </a:p>
                   </a:txBody>
@@ -11839,13 +12566,13 @@
         <p:spPr/>
         <p:txBody>
           <a:bodyPr>
-            <a:normAutofit fontScale="85000" lnSpcReduction="10000"/>
+            <a:normAutofit fontScale="92500" lnSpcReduction="10000"/>
           </a:bodyPr>
           <a:lstStyle/>
           <a:p>
             <a:r>
               <a:rPr lang="ko-KR" altLang="en-US" sz="2400" dirty="0"/>
-              <a:t>패들</a:t>
+              <a:t>충돌 판정 처리</a:t>
             </a:r>
             <a:r>
               <a:rPr lang="en-US" altLang="ko-KR" sz="2400" dirty="0"/>
@@ -11865,116 +12592,59 @@
             </a:r>
             <a:r>
               <a:rPr lang="ko-KR" altLang="en-US" sz="2400" dirty="0"/>
-              <a:t>를 이용하여 튕기는 효과 내기</a:t>
+              <a:t>를 이용하여 공이 패들과 벽돌</a:t>
             </a:r>
             <a:r>
               <a:rPr lang="en-US" altLang="ko-KR" sz="2400" dirty="0"/>
               <a:t>, </a:t>
             </a:r>
             <a:r>
+              <a:rPr lang="ko-KR" altLang="en-US" sz="2400" dirty="0"/>
+              <a:t>벽에 튕기는 효과를 구현하였다</a:t>
+            </a:r>
+            <a:r>
+              <a:rPr lang="en-US" altLang="ko-KR" sz="2400" dirty="0"/>
+              <a:t>.</a:t>
+            </a:r>
+          </a:p>
+          <a:p>
+            <a:r>
+              <a:rPr lang="ko-KR" altLang="en-US" sz="2400" dirty="0"/>
+              <a:t>사용자 입력 처리</a:t>
+            </a:r>
+            <a:r>
+              <a:rPr lang="en-US" altLang="ko-KR" sz="2400" dirty="0"/>
+              <a:t>: Player Input</a:t>
+            </a:r>
+            <a:r>
+              <a:rPr lang="ko-KR" altLang="en-US" sz="2400" dirty="0"/>
+              <a:t>을 이용하여 사용자 입력을 받아 패들을 조작하는 기능 구현</a:t>
+            </a:r>
+            <a:r>
+              <a:rPr lang="en-US" altLang="ko-KR" sz="2400" dirty="0"/>
+              <a:t>. </a:t>
+            </a:r>
+            <a:r>
               <a:rPr lang="en-US" altLang="ko-KR" sz="2400" dirty="0" err="1"/>
-              <a:t>Rigidbody</a:t>
+              <a:t>InputSystem</a:t>
+            </a:r>
+            <a:r>
+              <a:rPr lang="ko-KR" altLang="en-US" sz="2400" dirty="0"/>
+              <a:t>을 사용하여 플랫폼에 따른 다양한 조작과 입력을 유연하게 처리 가능하다</a:t>
             </a:r>
             <a:r>
               <a:rPr lang="en-US" altLang="ko-KR" sz="2400" dirty="0"/>
-              <a:t> 2D</a:t>
+              <a:t>.</a:t>
+            </a:r>
+          </a:p>
+          <a:p>
+            <a:r>
+              <a:rPr lang="ko-KR" altLang="en-US" sz="2400" dirty="0" err="1"/>
+              <a:t>싱글톤</a:t>
             </a:r>
             <a:r>
               <a:rPr lang="ko-KR" altLang="en-US" sz="2400" dirty="0"/>
-              <a:t>에서 위치와 방향 고정</a:t>
-            </a:r>
-            <a:r>
-              <a:rPr lang="en-US" altLang="ko-KR" sz="2400" dirty="0"/>
-              <a:t>, Player Input</a:t>
-            </a:r>
-            <a:r>
-              <a:rPr lang="ko-KR" altLang="en-US" sz="2400" dirty="0"/>
-              <a:t>을 이용하여 마우스 </a:t>
-            </a:r>
-            <a:r>
-              <a:rPr lang="en-US" altLang="ko-KR" sz="2400" dirty="0"/>
-              <a:t>x</a:t>
-            </a:r>
-            <a:r>
-              <a:rPr lang="ko-KR" altLang="en-US" sz="2400" dirty="0"/>
-              <a:t>좌표 따라가기</a:t>
-            </a:r>
-            <a:endParaRPr lang="en-US" altLang="ko-KR" sz="2400" dirty="0"/>
-          </a:p>
-          <a:p>
-            <a:r>
-              <a:rPr lang="ko-KR" altLang="en-US" sz="2400" dirty="0"/>
-              <a:t>벽돌</a:t>
-            </a:r>
-            <a:r>
-              <a:rPr lang="en-US" altLang="ko-KR" sz="2400" dirty="0"/>
-              <a:t>: Box Collider 2D</a:t>
-            </a:r>
-            <a:r>
-              <a:rPr lang="ko-KR" altLang="en-US" sz="2400" dirty="0"/>
-              <a:t>와 </a:t>
-            </a:r>
-            <a:r>
-              <a:rPr lang="en-US" altLang="ko-KR" sz="2400" dirty="0" err="1"/>
-              <a:t>Rigidbody</a:t>
-            </a:r>
-            <a:r>
-              <a:rPr lang="en-US" altLang="ko-KR" sz="2400" dirty="0"/>
-              <a:t> 2D</a:t>
-            </a:r>
-            <a:r>
-              <a:rPr lang="ko-KR" altLang="en-US" sz="2400" dirty="0"/>
-              <a:t>를 이용하여 튕기는 효과 내기</a:t>
-            </a:r>
-            <a:r>
-              <a:rPr lang="en-US" altLang="ko-KR" sz="2400" dirty="0"/>
-              <a:t>, OnCollisionEnter2D </a:t>
-            </a:r>
-            <a:r>
-              <a:rPr lang="ko-KR" altLang="en-US" sz="2400" dirty="0"/>
-              <a:t>메서드를 이용하여 공에 맞으면 사라지기</a:t>
-            </a:r>
-            <a:endParaRPr lang="en-US" altLang="ko-KR" sz="2400" dirty="0"/>
-          </a:p>
-          <a:p>
-            <a:r>
-              <a:rPr lang="ko-KR" altLang="en-US" sz="2400" dirty="0"/>
-              <a:t>공</a:t>
-            </a:r>
-            <a:r>
-              <a:rPr lang="en-US" altLang="ko-KR" sz="2400" dirty="0"/>
-              <a:t>: Box Collider 2D</a:t>
-            </a:r>
-            <a:r>
-              <a:rPr lang="ko-KR" altLang="en-US" sz="2400" dirty="0"/>
-              <a:t>와 </a:t>
-            </a:r>
-            <a:r>
-              <a:rPr lang="en-US" altLang="ko-KR" sz="2400" dirty="0" err="1"/>
-              <a:t>Rigidbody</a:t>
-            </a:r>
-            <a:r>
-              <a:rPr lang="en-US" altLang="ko-KR" sz="2400" dirty="0"/>
-              <a:t> 2D</a:t>
-            </a:r>
-            <a:r>
-              <a:rPr lang="ko-KR" altLang="en-US" sz="2400" dirty="0"/>
-              <a:t>를 이용하여 튕기는 효과 내기</a:t>
-            </a:r>
-            <a:r>
-              <a:rPr lang="en-US" altLang="ko-KR" sz="2400" dirty="0"/>
-              <a:t>, OnTriggerEnter2D </a:t>
-            </a:r>
-            <a:r>
-              <a:rPr lang="ko-KR" altLang="en-US" sz="2400" dirty="0"/>
-              <a:t>메서드를 이용하여 바닥에 떨어지면 사라지기</a:t>
-            </a:r>
-            <a:endParaRPr lang="en-US" altLang="ko-KR" sz="2400" dirty="0"/>
-          </a:p>
-          <a:p>
-            <a:r>
-              <a:rPr lang="ko-KR" altLang="en-US" sz="2400" dirty="0"/>
-              <a:t>게임 매니저</a:t>
+              <a:t> 패턴</a:t>
             </a:r>
             <a:r>
               <a:rPr lang="en-US" altLang="ko-KR" sz="2400" dirty="0"/>
@@ -11982,6 +12652,14 @@
             </a:r>
             <a:r>
               <a:rPr lang="ko-KR" altLang="en-US" sz="2400" dirty="0"/>
+              <a:t>게임 매니저에 들어 있는 로직을 중앙에서 관리하기 위한 기술</a:t>
+            </a:r>
+            <a:r>
+              <a:rPr lang="en-US" altLang="ko-KR" sz="2400" dirty="0"/>
+              <a:t>. </a:t>
+            </a:r>
+            <a:r>
+              <a:rPr lang="ko-KR" altLang="en-US" sz="2400" dirty="0"/>
               <a:t>남은 벽돌 개수와 남은 공 개수 체크</a:t>
             </a:r>
             <a:r>
@@ -11998,8 +12676,13 @@
             </a:r>
             <a:r>
               <a:rPr lang="ko-KR" altLang="en-US" sz="2400" dirty="0"/>
-              <a:t>공이 다 떨어지면 게임 오버</a:t>
-            </a:r>
+              <a:t>공이 다 떨어지면 게임 오버 등의 로직을 구현할 수 있었다</a:t>
+            </a:r>
+            <a:r>
+              <a:rPr lang="en-US" altLang="ko-KR" sz="2400" dirty="0"/>
+              <a:t>.</a:t>
+            </a:r>
+            <a:endParaRPr lang="ko-KR" altLang="en-US" sz="2400" dirty="0"/>
           </a:p>
         </p:txBody>
       </p:sp>
@@ -12066,41 +12749,829 @@
           </a:p>
         </p:txBody>
       </p:sp>
-      <p:pic>
-        <p:nvPicPr>
-          <p:cNvPr id="7" name="내용 개체 틀 6">
+      <p:graphicFrame>
+        <p:nvGraphicFramePr>
+          <p:cNvPr id="3" name="표 2">
             <a:extLst>
               <a:ext uri="{FF2B5EF4-FFF2-40B4-BE49-F238E27FC236}">
-                <a16:creationId xmlns:a16="http://schemas.microsoft.com/office/drawing/2014/main" id="{CDC32207-3047-0BE5-B0AF-14452B4B2663}"/>
+                <a16:creationId xmlns:a16="http://schemas.microsoft.com/office/drawing/2014/main" id="{B17CFDE4-E5FA-D0F2-381B-62A7997CA636}"/>
               </a:ext>
             </a:extLst>
           </p:cNvPr>
-          <p:cNvPicPr>
-            <a:picLocks noGrp="1" noChangeAspect="1"/>
-          </p:cNvPicPr>
-          <p:nvPr>
-            <p:ph idx="1"/>
-          </p:nvPr>
-        </p:nvPicPr>
-        <p:blipFill>
-          <a:blip r:embed="rId2">
+          <p:cNvGraphicFramePr>
+            <a:graphicFrameLocks noGrp="1"/>
+          </p:cNvGraphicFramePr>
+          <p:nvPr>
+            <p:extLst>
+              <p:ext uri="{D42A27DB-BD31-4B8C-83A1-F6EECF244321}">
+                <p14:modId xmlns:p14="http://schemas.microsoft.com/office/powerpoint/2010/main" val="2993051458"/>
+              </p:ext>
+            </p:extLst>
+          </p:nvPr>
+        </p:nvGraphicFramePr>
+        <p:xfrm>
+          <a:off x="425450" y="2084916"/>
+          <a:ext cx="3568700" cy="741680"/>
+        </p:xfrm>
+        <a:graphic>
+          <a:graphicData uri="http://schemas.openxmlformats.org/drawingml/2006/table">
+            <a:tbl>
+              <a:tblPr firstRow="1" bandRow="1">
+                <a:tableStyleId>{5C22544A-7EE6-4342-B048-85BDC9FD1C3A}</a:tableStyleId>
+              </a:tblPr>
+              <a:tblGrid>
+                <a:gridCol w="3568700">
+                  <a:extLst>
+                    <a:ext uri="{9D8B030D-6E8A-4147-A177-3AD203B41FA5}">
+                      <a16:colId xmlns:a16="http://schemas.microsoft.com/office/drawing/2014/main" val="665298629"/>
+                    </a:ext>
+                  </a:extLst>
+                </a:gridCol>
+              </a:tblGrid>
+              <a:tr h="370840">
+                <a:tc>
+                  <a:txBody>
+                    <a:bodyPr/>
+                    <a:lstStyle/>
+                    <a:p>
+                      <a:pPr latinLnBrk="1"/>
+                      <a:r>
+                        <a:rPr lang="en-US" altLang="ko-KR" dirty="0"/>
+                        <a:t>Paddle</a:t>
+                      </a:r>
+                      <a:endParaRPr lang="ko-KR" altLang="en-US" dirty="0"/>
+                    </a:p>
+                  </a:txBody>
+                  <a:tcPr/>
+                </a:tc>
+                <a:extLst>
+                  <a:ext uri="{0D108BD9-81ED-4DB2-BD59-A6C34878D82A}">
+                    <a16:rowId xmlns:a16="http://schemas.microsoft.com/office/drawing/2014/main" val="3715024764"/>
+                  </a:ext>
+                </a:extLst>
+              </a:tr>
+              <a:tr h="370840">
+                <a:tc>
+                  <a:txBody>
+                    <a:bodyPr/>
+                    <a:lstStyle/>
+                    <a:p>
+                      <a:pPr latinLnBrk="1"/>
+                      <a:r>
+                        <a:rPr lang="en-US" altLang="ko-KR" dirty="0"/>
+                        <a:t>+ method: void </a:t>
+                      </a:r>
+                      <a:r>
+                        <a:rPr lang="en-US" altLang="ko-KR" dirty="0" err="1"/>
+                        <a:t>OnMove</a:t>
+                      </a:r>
+                      <a:r>
+                        <a:rPr lang="en-US" altLang="ko-KR" dirty="0"/>
+                        <a:t>(</a:t>
+                      </a:r>
+                      <a:r>
+                        <a:rPr lang="en-US" altLang="ko-KR" dirty="0" err="1"/>
+                        <a:t>InputValue</a:t>
+                      </a:r>
+                      <a:r>
+                        <a:rPr lang="en-US" altLang="ko-KR" dirty="0"/>
+                        <a:t>)</a:t>
+                      </a:r>
+                      <a:endParaRPr lang="ko-KR" altLang="en-US" dirty="0"/>
+                    </a:p>
+                  </a:txBody>
+                  <a:tcPr/>
+                </a:tc>
+                <a:extLst>
+                  <a:ext uri="{0D108BD9-81ED-4DB2-BD59-A6C34878D82A}">
+                    <a16:rowId xmlns:a16="http://schemas.microsoft.com/office/drawing/2014/main" val="2737244406"/>
+                  </a:ext>
+                </a:extLst>
+              </a:tr>
+            </a:tbl>
+          </a:graphicData>
+        </a:graphic>
+      </p:graphicFrame>
+      <p:graphicFrame>
+        <p:nvGraphicFramePr>
+          <p:cNvPr id="4" name="표 3">
             <a:extLst>
-              <a:ext uri="{28A0092B-C50C-407E-A947-70E740481C1C}">
-                <a14:useLocalDpi xmlns:a14="http://schemas.microsoft.com/office/drawing/2010/main" val="0"/>
+              <a:ext uri="{FF2B5EF4-FFF2-40B4-BE49-F238E27FC236}">
+                <a16:creationId xmlns:a16="http://schemas.microsoft.com/office/drawing/2014/main" id="{8221354E-7625-45CA-B0C4-A9E4DB7D818F}"/>
               </a:ext>
             </a:extLst>
-          </a:blip>
-          <a:stretch>
-            <a:fillRect/>
-          </a:stretch>
-        </p:blipFill>
+          </p:cNvPr>
+          <p:cNvGraphicFramePr>
+            <a:graphicFrameLocks noGrp="1"/>
+          </p:cNvGraphicFramePr>
+          <p:nvPr>
+            <p:extLst>
+              <p:ext uri="{D42A27DB-BD31-4B8C-83A1-F6EECF244321}">
+                <p14:modId xmlns:p14="http://schemas.microsoft.com/office/powerpoint/2010/main" val="3948344330"/>
+              </p:ext>
+            </p:extLst>
+          </p:nvPr>
+        </p:nvGraphicFramePr>
+        <p:xfrm>
+          <a:off x="425450" y="3141637"/>
+          <a:ext cx="4756150" cy="1112520"/>
+        </p:xfrm>
+        <a:graphic>
+          <a:graphicData uri="http://schemas.openxmlformats.org/drawingml/2006/table">
+            <a:tbl>
+              <a:tblPr firstRow="1" bandRow="1">
+                <a:tableStyleId>{5C22544A-7EE6-4342-B048-85BDC9FD1C3A}</a:tableStyleId>
+              </a:tblPr>
+              <a:tblGrid>
+                <a:gridCol w="4756150">
+                  <a:extLst>
+                    <a:ext uri="{9D8B030D-6E8A-4147-A177-3AD203B41FA5}">
+                      <a16:colId xmlns:a16="http://schemas.microsoft.com/office/drawing/2014/main" val="1837295819"/>
+                    </a:ext>
+                  </a:extLst>
+                </a:gridCol>
+              </a:tblGrid>
+              <a:tr h="370840">
+                <a:tc>
+                  <a:txBody>
+                    <a:bodyPr/>
+                    <a:lstStyle/>
+                    <a:p>
+                      <a:pPr latinLnBrk="1"/>
+                      <a:r>
+                        <a:rPr lang="en-US" altLang="ko-KR" dirty="0"/>
+                        <a:t>Brick</a:t>
+                      </a:r>
+                      <a:endParaRPr lang="ko-KR" altLang="en-US" dirty="0"/>
+                    </a:p>
+                  </a:txBody>
+                  <a:tcPr/>
+                </a:tc>
+                <a:extLst>
+                  <a:ext uri="{0D108BD9-81ED-4DB2-BD59-A6C34878D82A}">
+                    <a16:rowId xmlns:a16="http://schemas.microsoft.com/office/drawing/2014/main" val="706697449"/>
+                  </a:ext>
+                </a:extLst>
+              </a:tr>
+              <a:tr h="370840">
+                <a:tc>
+                  <a:txBody>
+                    <a:bodyPr/>
+                    <a:lstStyle/>
+                    <a:p>
+                      <a:pPr latinLnBrk="1"/>
+                      <a:r>
+                        <a:rPr lang="en-US" altLang="ko-KR" dirty="0"/>
+                        <a:t>+ method: void </a:t>
+                      </a:r>
+                      <a:r>
+                        <a:rPr lang="en-US" altLang="ko-KR" dirty="0" err="1"/>
+                        <a:t>SettingBrick</a:t>
+                      </a:r>
+                      <a:r>
+                        <a:rPr lang="en-US" altLang="ko-KR" dirty="0"/>
+                        <a:t>(int)</a:t>
+                      </a:r>
+                      <a:endParaRPr lang="ko-KR" altLang="en-US" dirty="0"/>
+                    </a:p>
+                  </a:txBody>
+                  <a:tcPr/>
+                </a:tc>
+                <a:extLst>
+                  <a:ext uri="{0D108BD9-81ED-4DB2-BD59-A6C34878D82A}">
+                    <a16:rowId xmlns:a16="http://schemas.microsoft.com/office/drawing/2014/main" val="1223714962"/>
+                  </a:ext>
+                </a:extLst>
+              </a:tr>
+              <a:tr h="370840">
+                <a:tc>
+                  <a:txBody>
+                    <a:bodyPr/>
+                    <a:lstStyle/>
+                    <a:p>
+                      <a:pPr latinLnBrk="1"/>
+                      <a:r>
+                        <a:rPr lang="en-US" altLang="ko-KR" dirty="0"/>
+                        <a:t>- method: void OnCollisionEnter2D(Collision2D)</a:t>
+                      </a:r>
+                      <a:endParaRPr lang="ko-KR" altLang="en-US" dirty="0"/>
+                    </a:p>
+                  </a:txBody>
+                  <a:tcPr/>
+                </a:tc>
+                <a:extLst>
+                  <a:ext uri="{0D108BD9-81ED-4DB2-BD59-A6C34878D82A}">
+                    <a16:rowId xmlns:a16="http://schemas.microsoft.com/office/drawing/2014/main" val="1876016965"/>
+                  </a:ext>
+                </a:extLst>
+              </a:tr>
+            </a:tbl>
+          </a:graphicData>
+        </a:graphic>
+      </p:graphicFrame>
+      <p:graphicFrame>
+        <p:nvGraphicFramePr>
+          <p:cNvPr id="5" name="표 4">
+            <a:extLst>
+              <a:ext uri="{FF2B5EF4-FFF2-40B4-BE49-F238E27FC236}">
+                <a16:creationId xmlns:a16="http://schemas.microsoft.com/office/drawing/2014/main" id="{AFA04A32-4CF7-FE0C-8988-C238B284C5EE}"/>
+              </a:ext>
+            </a:extLst>
+          </p:cNvPr>
+          <p:cNvGraphicFramePr>
+            <a:graphicFrameLocks noGrp="1"/>
+          </p:cNvGraphicFramePr>
+          <p:nvPr>
+            <p:extLst>
+              <p:ext uri="{D42A27DB-BD31-4B8C-83A1-F6EECF244321}">
+                <p14:modId xmlns:p14="http://schemas.microsoft.com/office/powerpoint/2010/main" val="3508135879"/>
+              </p:ext>
+            </p:extLst>
+          </p:nvPr>
+        </p:nvGraphicFramePr>
+        <p:xfrm>
+          <a:off x="425450" y="4523316"/>
+          <a:ext cx="4527550" cy="1478280"/>
+        </p:xfrm>
+        <a:graphic>
+          <a:graphicData uri="http://schemas.openxmlformats.org/drawingml/2006/table">
+            <a:tbl>
+              <a:tblPr firstRow="1" bandRow="1">
+                <a:tableStyleId>{5C22544A-7EE6-4342-B048-85BDC9FD1C3A}</a:tableStyleId>
+              </a:tblPr>
+              <a:tblGrid>
+                <a:gridCol w="4527550">
+                  <a:extLst>
+                    <a:ext uri="{9D8B030D-6E8A-4147-A177-3AD203B41FA5}">
+                      <a16:colId xmlns:a16="http://schemas.microsoft.com/office/drawing/2014/main" val="1312977911"/>
+                    </a:ext>
+                  </a:extLst>
+                </a:gridCol>
+              </a:tblGrid>
+              <a:tr h="0">
+                <a:tc>
+                  <a:txBody>
+                    <a:bodyPr/>
+                    <a:lstStyle/>
+                    <a:p>
+                      <a:pPr latinLnBrk="1"/>
+                      <a:r>
+                        <a:rPr lang="en-US" altLang="ko-KR" dirty="0" err="1"/>
+                        <a:t>BallController</a:t>
+                      </a:r>
+                      <a:endParaRPr lang="ko-KR" altLang="en-US" dirty="0"/>
+                    </a:p>
+                  </a:txBody>
+                  <a:tcPr/>
+                </a:tc>
+                <a:extLst>
+                  <a:ext uri="{0D108BD9-81ED-4DB2-BD59-A6C34878D82A}">
+                    <a16:rowId xmlns:a16="http://schemas.microsoft.com/office/drawing/2014/main" val="4180398868"/>
+                  </a:ext>
+                </a:extLst>
+              </a:tr>
+              <a:tr h="370840">
+                <a:tc>
+                  <a:txBody>
+                    <a:bodyPr/>
+                    <a:lstStyle/>
+                    <a:p>
+                      <a:pPr latinLnBrk="1"/>
+                      <a:r>
+                        <a:rPr lang="en-US" altLang="ko-KR" dirty="0"/>
+                        <a:t>+ method: void </a:t>
+                      </a:r>
+                      <a:r>
+                        <a:rPr lang="en-US" altLang="ko-KR" dirty="0" err="1"/>
+                        <a:t>ApplyBallMovement</a:t>
+                      </a:r>
+                      <a:r>
+                        <a:rPr lang="en-US" altLang="ko-KR" dirty="0"/>
+                        <a:t>(Vector2D)</a:t>
+                      </a:r>
+                      <a:endParaRPr lang="ko-KR" altLang="en-US" dirty="0"/>
+                    </a:p>
+                  </a:txBody>
+                  <a:tcPr/>
+                </a:tc>
+                <a:extLst>
+                  <a:ext uri="{0D108BD9-81ED-4DB2-BD59-A6C34878D82A}">
+                    <a16:rowId xmlns:a16="http://schemas.microsoft.com/office/drawing/2014/main" val="1927629449"/>
+                  </a:ext>
+                </a:extLst>
+              </a:tr>
+              <a:tr h="370840">
+                <a:tc>
+                  <a:txBody>
+                    <a:bodyPr/>
+                    <a:lstStyle/>
+                    <a:p>
+                      <a:pPr latinLnBrk="1"/>
+                      <a:r>
+                        <a:rPr lang="en-US" altLang="ko-KR" dirty="0"/>
+                        <a:t>- method: void OnTriggerEnter2D(Collider2D)</a:t>
+                      </a:r>
+                      <a:endParaRPr lang="ko-KR" altLang="en-US" dirty="0"/>
+                    </a:p>
+                  </a:txBody>
+                  <a:tcPr/>
+                </a:tc>
+                <a:extLst>
+                  <a:ext uri="{0D108BD9-81ED-4DB2-BD59-A6C34878D82A}">
+                    <a16:rowId xmlns:a16="http://schemas.microsoft.com/office/drawing/2014/main" val="3813397188"/>
+                  </a:ext>
+                </a:extLst>
+              </a:tr>
+              <a:tr h="370840">
+                <a:tc>
+                  <a:txBody>
+                    <a:bodyPr/>
+                    <a:lstStyle/>
+                    <a:p>
+                      <a:pPr latinLnBrk="1"/>
+                      <a:r>
+                        <a:rPr lang="en-US" altLang="ko-KR" dirty="0"/>
+                        <a:t>- method: void OnCollisionExit2D(Collision2D)</a:t>
+                      </a:r>
+                      <a:endParaRPr lang="ko-KR" altLang="en-US" dirty="0"/>
+                    </a:p>
+                  </a:txBody>
+                  <a:tcPr/>
+                </a:tc>
+                <a:extLst>
+                  <a:ext uri="{0D108BD9-81ED-4DB2-BD59-A6C34878D82A}">
+                    <a16:rowId xmlns:a16="http://schemas.microsoft.com/office/drawing/2014/main" val="1796829225"/>
+                  </a:ext>
+                </a:extLst>
+              </a:tr>
+            </a:tbl>
+          </a:graphicData>
+        </a:graphic>
+      </p:graphicFrame>
+      <p:graphicFrame>
+        <p:nvGraphicFramePr>
+          <p:cNvPr id="6" name="표 5">
+            <a:extLst>
+              <a:ext uri="{FF2B5EF4-FFF2-40B4-BE49-F238E27FC236}">
+                <a16:creationId xmlns:a16="http://schemas.microsoft.com/office/drawing/2014/main" id="{7D6F70D8-C48F-9EAA-737E-01A2F6DF13CE}"/>
+              </a:ext>
+            </a:extLst>
+          </p:cNvPr>
+          <p:cNvGraphicFramePr>
+            <a:graphicFrameLocks noGrp="1"/>
+          </p:cNvGraphicFramePr>
+          <p:nvPr>
+            <p:extLst>
+              <p:ext uri="{D42A27DB-BD31-4B8C-83A1-F6EECF244321}">
+                <p14:modId xmlns:p14="http://schemas.microsoft.com/office/powerpoint/2010/main" val="576050283"/>
+              </p:ext>
+            </p:extLst>
+          </p:nvPr>
+        </p:nvGraphicFramePr>
+        <p:xfrm>
+          <a:off x="7080250" y="2037527"/>
+          <a:ext cx="3041650" cy="3931920"/>
+        </p:xfrm>
+        <a:graphic>
+          <a:graphicData uri="http://schemas.openxmlformats.org/drawingml/2006/table">
+            <a:tbl>
+              <a:tblPr firstRow="1" bandRow="1">
+                <a:tableStyleId>{5C22544A-7EE6-4342-B048-85BDC9FD1C3A}</a:tableStyleId>
+              </a:tblPr>
+              <a:tblGrid>
+                <a:gridCol w="3041650">
+                  <a:extLst>
+                    <a:ext uri="{9D8B030D-6E8A-4147-A177-3AD203B41FA5}">
+                      <a16:colId xmlns:a16="http://schemas.microsoft.com/office/drawing/2014/main" val="582924428"/>
+                    </a:ext>
+                  </a:extLst>
+                </a:gridCol>
+              </a:tblGrid>
+              <a:tr h="323923">
+                <a:tc>
+                  <a:txBody>
+                    <a:bodyPr/>
+                    <a:lstStyle/>
+                    <a:p>
+                      <a:pPr latinLnBrk="1"/>
+                      <a:r>
+                        <a:rPr lang="en-US" altLang="ko-KR" dirty="0" err="1"/>
+                        <a:t>GameManager</a:t>
+                      </a:r>
+                      <a:endParaRPr lang="ko-KR" altLang="en-US" dirty="0"/>
+                    </a:p>
+                  </a:txBody>
+                  <a:tcPr/>
+                </a:tc>
+                <a:extLst>
+                  <a:ext uri="{0D108BD9-81ED-4DB2-BD59-A6C34878D82A}">
+                    <a16:rowId xmlns:a16="http://schemas.microsoft.com/office/drawing/2014/main" val="1320370197"/>
+                  </a:ext>
+                </a:extLst>
+              </a:tr>
+              <a:tr h="224349">
+                <a:tc>
+                  <a:txBody>
+                    <a:bodyPr/>
+                    <a:lstStyle/>
+                    <a:p>
+                      <a:pPr latinLnBrk="1"/>
+                      <a:r>
+                        <a:rPr lang="en-US" altLang="ko-KR" sz="1200" dirty="0"/>
+                        <a:t>+ </a:t>
+                      </a:r>
+                      <a:r>
+                        <a:rPr lang="en-US" altLang="ko-KR" sz="1200" u="sng" dirty="0"/>
+                        <a:t>field: </a:t>
+                      </a:r>
+                      <a:r>
+                        <a:rPr lang="en-US" altLang="ko-KR" sz="1200" u="sng" dirty="0" err="1"/>
+                        <a:t>GameManager</a:t>
+                      </a:r>
+                      <a:r>
+                        <a:rPr lang="en-US" altLang="ko-KR" sz="1200" u="sng" dirty="0"/>
+                        <a:t> instance</a:t>
+                      </a:r>
+                      <a:endParaRPr lang="ko-KR" altLang="en-US" sz="1200" u="sng" dirty="0"/>
+                    </a:p>
+                  </a:txBody>
+                  <a:tcPr/>
+                </a:tc>
+                <a:extLst>
+                  <a:ext uri="{0D108BD9-81ED-4DB2-BD59-A6C34878D82A}">
+                    <a16:rowId xmlns:a16="http://schemas.microsoft.com/office/drawing/2014/main" val="52723110"/>
+                  </a:ext>
+                </a:extLst>
+              </a:tr>
+              <a:tr h="224349">
+                <a:tc>
+                  <a:txBody>
+                    <a:bodyPr/>
+                    <a:lstStyle/>
+                    <a:p>
+                      <a:pPr latinLnBrk="1"/>
+                      <a:r>
+                        <a:rPr lang="en-US" altLang="ko-KR" sz="1200" dirty="0"/>
+                        <a:t>+ field: Brick </a:t>
+                      </a:r>
+                      <a:r>
+                        <a:rPr lang="en-US" altLang="ko-KR" sz="1200" dirty="0" err="1"/>
+                        <a:t>brick</a:t>
+                      </a:r>
+                      <a:endParaRPr lang="ko-KR" altLang="en-US" sz="1200" dirty="0"/>
+                    </a:p>
+                  </a:txBody>
+                  <a:tcPr/>
+                </a:tc>
+                <a:extLst>
+                  <a:ext uri="{0D108BD9-81ED-4DB2-BD59-A6C34878D82A}">
+                    <a16:rowId xmlns:a16="http://schemas.microsoft.com/office/drawing/2014/main" val="932563087"/>
+                  </a:ext>
+                </a:extLst>
+              </a:tr>
+              <a:tr h="224349">
+                <a:tc>
+                  <a:txBody>
+                    <a:bodyPr/>
+                    <a:lstStyle/>
+                    <a:p>
+                      <a:pPr latinLnBrk="1"/>
+                      <a:r>
+                        <a:rPr lang="en-US" altLang="ko-KR" sz="1200" dirty="0"/>
+                        <a:t>+ field: int </a:t>
+                      </a:r>
+                      <a:r>
+                        <a:rPr lang="en-US" altLang="ko-KR" sz="1200" dirty="0" err="1"/>
+                        <a:t>brickCount</a:t>
+                      </a:r>
+                      <a:endParaRPr lang="ko-KR" altLang="en-US" sz="1200" dirty="0"/>
+                    </a:p>
+                  </a:txBody>
+                  <a:tcPr/>
+                </a:tc>
+                <a:extLst>
+                  <a:ext uri="{0D108BD9-81ED-4DB2-BD59-A6C34878D82A}">
+                    <a16:rowId xmlns:a16="http://schemas.microsoft.com/office/drawing/2014/main" val="1092864030"/>
+                  </a:ext>
+                </a:extLst>
+              </a:tr>
+              <a:tr h="224349">
+                <a:tc>
+                  <a:txBody>
+                    <a:bodyPr/>
+                    <a:lstStyle/>
+                    <a:p>
+                      <a:pPr latinLnBrk="1"/>
+                      <a:r>
+                        <a:rPr lang="en-US" altLang="ko-KR" sz="1200" dirty="0"/>
+                        <a:t>+ field: int </a:t>
+                      </a:r>
+                      <a:r>
+                        <a:rPr lang="en-US" altLang="ko-KR" sz="1200" dirty="0" err="1"/>
+                        <a:t>ballCount</a:t>
+                      </a:r>
+                      <a:endParaRPr lang="ko-KR" altLang="en-US" sz="1200" dirty="0"/>
+                    </a:p>
+                  </a:txBody>
+                  <a:tcPr/>
+                </a:tc>
+                <a:extLst>
+                  <a:ext uri="{0D108BD9-81ED-4DB2-BD59-A6C34878D82A}">
+                    <a16:rowId xmlns:a16="http://schemas.microsoft.com/office/drawing/2014/main" val="234723075"/>
+                  </a:ext>
+                </a:extLst>
+              </a:tr>
+              <a:tr h="224349">
+                <a:tc>
+                  <a:txBody>
+                    <a:bodyPr/>
+                    <a:lstStyle/>
+                    <a:p>
+                      <a:pPr latinLnBrk="1"/>
+                      <a:r>
+                        <a:rPr lang="en-US" altLang="ko-KR" sz="1200" dirty="0"/>
+                        <a:t>+ field: int </a:t>
+                      </a:r>
+                      <a:r>
+                        <a:rPr lang="en-US" altLang="ko-KR" sz="1200" dirty="0" err="1"/>
+                        <a:t>currentScore</a:t>
+                      </a:r>
+                      <a:endParaRPr lang="ko-KR" altLang="en-US" sz="1200" dirty="0"/>
+                    </a:p>
+                  </a:txBody>
+                  <a:tcPr/>
+                </a:tc>
+                <a:extLst>
+                  <a:ext uri="{0D108BD9-81ED-4DB2-BD59-A6C34878D82A}">
+                    <a16:rowId xmlns:a16="http://schemas.microsoft.com/office/drawing/2014/main" val="67622018"/>
+                  </a:ext>
+                </a:extLst>
+              </a:tr>
+              <a:tr h="224349">
+                <a:tc>
+                  <a:txBody>
+                    <a:bodyPr/>
+                    <a:lstStyle/>
+                    <a:p>
+                      <a:pPr latinLnBrk="1"/>
+                      <a:r>
+                        <a:rPr lang="en-US" altLang="ko-KR" sz="1200" dirty="0"/>
+                        <a:t>+ field: int </a:t>
+                      </a:r>
+                      <a:r>
+                        <a:rPr lang="en-US" altLang="ko-KR" sz="1200" dirty="0" err="1"/>
+                        <a:t>highestScore</a:t>
+                      </a:r>
+                      <a:endParaRPr lang="ko-KR" altLang="en-US" sz="1200" dirty="0"/>
+                    </a:p>
+                  </a:txBody>
+                  <a:tcPr/>
+                </a:tc>
+                <a:extLst>
+                  <a:ext uri="{0D108BD9-81ED-4DB2-BD59-A6C34878D82A}">
+                    <a16:rowId xmlns:a16="http://schemas.microsoft.com/office/drawing/2014/main" val="3764222158"/>
+                  </a:ext>
+                </a:extLst>
+              </a:tr>
+              <a:tr h="224349">
+                <a:tc>
+                  <a:txBody>
+                    <a:bodyPr/>
+                    <a:lstStyle/>
+                    <a:p>
+                      <a:pPr latinLnBrk="1"/>
+                      <a:r>
+                        <a:rPr lang="en-US" altLang="ko-KR" sz="1200" dirty="0"/>
+                        <a:t>- method: void Awake()</a:t>
+                      </a:r>
+                      <a:endParaRPr lang="ko-KR" altLang="en-US" sz="1200" dirty="0"/>
+                    </a:p>
+                  </a:txBody>
+                  <a:tcPr/>
+                </a:tc>
+                <a:extLst>
+                  <a:ext uri="{0D108BD9-81ED-4DB2-BD59-A6C34878D82A}">
+                    <a16:rowId xmlns:a16="http://schemas.microsoft.com/office/drawing/2014/main" val="3390428313"/>
+                  </a:ext>
+                </a:extLst>
+              </a:tr>
+              <a:tr h="224349">
+                <a:tc>
+                  <a:txBody>
+                    <a:bodyPr/>
+                    <a:lstStyle/>
+                    <a:p>
+                      <a:pPr latinLnBrk="1"/>
+                      <a:r>
+                        <a:rPr lang="en-US" altLang="ko-KR" sz="1200" dirty="0"/>
+                        <a:t>- method: void Start()</a:t>
+                      </a:r>
+                      <a:endParaRPr lang="ko-KR" altLang="en-US" sz="1200" dirty="0"/>
+                    </a:p>
+                  </a:txBody>
+                  <a:tcPr/>
+                </a:tc>
+                <a:extLst>
+                  <a:ext uri="{0D108BD9-81ED-4DB2-BD59-A6C34878D82A}">
+                    <a16:rowId xmlns:a16="http://schemas.microsoft.com/office/drawing/2014/main" val="3024386007"/>
+                  </a:ext>
+                </a:extLst>
+              </a:tr>
+              <a:tr h="224349">
+                <a:tc>
+                  <a:txBody>
+                    <a:bodyPr/>
+                    <a:lstStyle/>
+                    <a:p>
+                      <a:pPr latinLnBrk="1"/>
+                      <a:r>
+                        <a:rPr lang="en-US" altLang="ko-KR" sz="1200" dirty="0"/>
+                        <a:t>+ method: void </a:t>
+                      </a:r>
+                      <a:r>
+                        <a:rPr lang="en-US" altLang="ko-KR" sz="1200" dirty="0" err="1"/>
+                        <a:t>MakeBrick</a:t>
+                      </a:r>
+                      <a:r>
+                        <a:rPr lang="en-US" altLang="ko-KR" sz="1200" dirty="0"/>
+                        <a:t>()</a:t>
+                      </a:r>
+                      <a:endParaRPr lang="ko-KR" altLang="en-US" sz="1200" dirty="0"/>
+                    </a:p>
+                  </a:txBody>
+                  <a:tcPr/>
+                </a:tc>
+                <a:extLst>
+                  <a:ext uri="{0D108BD9-81ED-4DB2-BD59-A6C34878D82A}">
+                    <a16:rowId xmlns:a16="http://schemas.microsoft.com/office/drawing/2014/main" val="1133202810"/>
+                  </a:ext>
+                </a:extLst>
+              </a:tr>
+              <a:tr h="224349">
+                <a:tc>
+                  <a:txBody>
+                    <a:bodyPr/>
+                    <a:lstStyle/>
+                    <a:p>
+                      <a:pPr latinLnBrk="1"/>
+                      <a:r>
+                        <a:rPr lang="en-US" altLang="ko-KR" sz="1200" dirty="0"/>
+                        <a:t>+ method: void </a:t>
+                      </a:r>
+                      <a:r>
+                        <a:rPr lang="en-US" altLang="ko-KR" sz="1200" dirty="0" err="1"/>
+                        <a:t>MakeRandBrick</a:t>
+                      </a:r>
+                      <a:r>
+                        <a:rPr lang="en-US" altLang="ko-KR" sz="1200" dirty="0"/>
+                        <a:t>()</a:t>
+                      </a:r>
+                      <a:endParaRPr lang="ko-KR" altLang="en-US" sz="1200" dirty="0"/>
+                    </a:p>
+                  </a:txBody>
+                  <a:tcPr/>
+                </a:tc>
+                <a:extLst>
+                  <a:ext uri="{0D108BD9-81ED-4DB2-BD59-A6C34878D82A}">
+                    <a16:rowId xmlns:a16="http://schemas.microsoft.com/office/drawing/2014/main" val="562890023"/>
+                  </a:ext>
+                </a:extLst>
+              </a:tr>
+              <a:tr h="224349">
+                <a:tc>
+                  <a:txBody>
+                    <a:bodyPr/>
+                    <a:lstStyle/>
+                    <a:p>
+                      <a:pPr latinLnBrk="1"/>
+                      <a:r>
+                        <a:rPr lang="en-US" altLang="ko-KR" sz="1200" dirty="0"/>
+                        <a:t>- method: void </a:t>
+                      </a:r>
+                      <a:r>
+                        <a:rPr lang="en-US" altLang="ko-KR" sz="1200" dirty="0" err="1"/>
+                        <a:t>StageClear</a:t>
+                      </a:r>
+                      <a:r>
+                        <a:rPr lang="en-US" altLang="ko-KR" sz="1200" dirty="0"/>
+                        <a:t>()</a:t>
+                      </a:r>
+                      <a:endParaRPr lang="ko-KR" altLang="en-US" sz="1200" dirty="0"/>
+                    </a:p>
+                  </a:txBody>
+                  <a:tcPr/>
+                </a:tc>
+                <a:extLst>
+                  <a:ext uri="{0D108BD9-81ED-4DB2-BD59-A6C34878D82A}">
+                    <a16:rowId xmlns:a16="http://schemas.microsoft.com/office/drawing/2014/main" val="2067307767"/>
+                  </a:ext>
+                </a:extLst>
+              </a:tr>
+              <a:tr h="224349">
+                <a:tc>
+                  <a:txBody>
+                    <a:bodyPr/>
+                    <a:lstStyle/>
+                    <a:p>
+                      <a:pPr latinLnBrk="1"/>
+                      <a:r>
+                        <a:rPr lang="en-US" altLang="ko-KR" sz="1200" dirty="0"/>
+                        <a:t>- method: void </a:t>
+                      </a:r>
+                      <a:r>
+                        <a:rPr lang="en-US" altLang="ko-KR" sz="1200" dirty="0" err="1"/>
+                        <a:t>EndGame</a:t>
+                      </a:r>
+                      <a:r>
+                        <a:rPr lang="en-US" altLang="ko-KR" sz="1200" dirty="0"/>
+                        <a:t>()</a:t>
+                      </a:r>
+                      <a:endParaRPr lang="ko-KR" altLang="en-US" sz="1200" dirty="0"/>
+                    </a:p>
+                  </a:txBody>
+                  <a:tcPr/>
+                </a:tc>
+                <a:extLst>
+                  <a:ext uri="{0D108BD9-81ED-4DB2-BD59-A6C34878D82A}">
+                    <a16:rowId xmlns:a16="http://schemas.microsoft.com/office/drawing/2014/main" val="1788355924"/>
+                  </a:ext>
+                </a:extLst>
+              </a:tr>
+              <a:tr h="224349">
+                <a:tc>
+                  <a:txBody>
+                    <a:bodyPr/>
+                    <a:lstStyle/>
+                    <a:p>
+                      <a:pPr latinLnBrk="1"/>
+                      <a:r>
+                        <a:rPr lang="en-US" altLang="ko-KR" sz="1200" dirty="0"/>
+                        <a:t>- method: void </a:t>
+                      </a:r>
+                      <a:r>
+                        <a:rPr lang="en-US" altLang="ko-KR" sz="1200" dirty="0" err="1"/>
+                        <a:t>CheckScore</a:t>
+                      </a:r>
+                      <a:r>
+                        <a:rPr lang="en-US" altLang="ko-KR" sz="1200" dirty="0"/>
+                        <a:t>()</a:t>
+                      </a:r>
+                      <a:endParaRPr lang="ko-KR" altLang="en-US" sz="1200" dirty="0"/>
+                    </a:p>
+                  </a:txBody>
+                  <a:tcPr/>
+                </a:tc>
+                <a:extLst>
+                  <a:ext uri="{0D108BD9-81ED-4DB2-BD59-A6C34878D82A}">
+                    <a16:rowId xmlns:a16="http://schemas.microsoft.com/office/drawing/2014/main" val="2315726010"/>
+                  </a:ext>
+                </a:extLst>
+              </a:tr>
+            </a:tbl>
+          </a:graphicData>
+        </a:graphic>
+      </p:graphicFrame>
+      <p:cxnSp>
+        <p:nvCxnSpPr>
+          <p:cNvPr id="11" name="직선 화살표 연결선 10">
+            <a:extLst>
+              <a:ext uri="{FF2B5EF4-FFF2-40B4-BE49-F238E27FC236}">
+                <a16:creationId xmlns:a16="http://schemas.microsoft.com/office/drawing/2014/main" id="{5ED223C7-CADA-1AA4-F020-77B8E2E03F29}"/>
+              </a:ext>
+            </a:extLst>
+          </p:cNvPr>
+          <p:cNvCxnSpPr>
+            <a:cxnSpLocks/>
+          </p:cNvCxnSpPr>
+          <p:nvPr/>
+        </p:nvCxnSpPr>
         <p:spPr>
-          <a:xfrm>
-            <a:off x="3406510" y="2016125"/>
-            <a:ext cx="5693304" cy="3449638"/>
+          <a:xfrm flipH="1">
+            <a:off x="5181600" y="2826596"/>
+            <a:ext cx="1898650" cy="507154"/>
           </a:xfrm>
+          <a:prstGeom prst="straightConnector1">
+            <a:avLst/>
+          </a:prstGeom>
+          <a:ln>
+            <a:tailEnd type="triangle"/>
+          </a:ln>
         </p:spPr>
-      </p:pic>
+        <p:style>
+          <a:lnRef idx="1">
+            <a:schemeClr val="accent1"/>
+          </a:lnRef>
+          <a:fillRef idx="0">
+            <a:schemeClr val="accent1"/>
+          </a:fillRef>
+          <a:effectRef idx="0">
+            <a:schemeClr val="accent1"/>
+          </a:effectRef>
+          <a:fontRef idx="minor">
+            <a:schemeClr val="tx1"/>
+          </a:fontRef>
+        </p:style>
+      </p:cxnSp>
     </p:spTree>
     <p:extLst>
       <p:ext uri="{BB962C8B-B14F-4D97-AF65-F5344CB8AC3E}">
@@ -12189,12 +13660,16 @@
           <a:lstStyle/>
           <a:p>
             <a:r>
+              <a:rPr lang="ko-KR" altLang="en-US" dirty="0"/>
+              <a:t>문제 상황 </a:t>
+            </a:r>
+            <a:r>
               <a:rPr lang="en-US" altLang="ko-KR" dirty="0"/>
-              <a:t>Q1. </a:t>
+              <a:t>#1: </a:t>
             </a:r>
             <a:r>
               <a:rPr lang="ko-KR" altLang="en-US" dirty="0"/>
-              <a:t>마우스를 움직이고 있지 않을 때 공이 패들에 부딪히면 패들이 멋대로 한쪽으로 움직인다</a:t>
+              <a:t>마우스를 움직이고 있지 않을 때 공이 패들에 부딪히면 패들이 멋대로 한쪽으로 움직였다</a:t>
             </a:r>
             <a:r>
               <a:rPr lang="en-US" altLang="ko-KR" dirty="0"/>
@@ -12203,8 +13678,12 @@
           </a:p>
           <a:p>
             <a:r>
+              <a:rPr lang="ko-KR" altLang="en-US" dirty="0"/>
+              <a:t>해결 방법 </a:t>
+            </a:r>
+            <a:r>
               <a:rPr lang="en-US" altLang="ko-KR" dirty="0"/>
-              <a:t>A1. </a:t>
+              <a:t>#1: </a:t>
             </a:r>
             <a:r>
               <a:rPr lang="en-US" altLang="ko-KR" dirty="0" err="1"/>
@@ -12281,8 +13760,12 @@
           </a:p>
           <a:p>
             <a:r>
+              <a:rPr lang="ko-KR" altLang="en-US" dirty="0"/>
+              <a:t>문제 상황 </a:t>
+            </a:r>
+            <a:r>
               <a:rPr lang="en-US" altLang="ko-KR" dirty="0"/>
-              <a:t>Q2. </a:t>
+              <a:t>#2: </a:t>
             </a:r>
             <a:r>
               <a:rPr lang="ko-KR" altLang="en-US" dirty="0"/>
@@ -12295,8 +13778,12 @@
           </a:p>
           <a:p>
             <a:r>
+              <a:rPr lang="ko-KR" altLang="en-US" dirty="0"/>
+              <a:t>해결 방법 </a:t>
+            </a:r>
+            <a:r>
               <a:rPr lang="en-US" altLang="ko-KR" dirty="0"/>
-              <a:t>A2. </a:t>
+              <a:t>#2: </a:t>
             </a:r>
             <a:r>
               <a:rPr lang="ko-KR" altLang="en-US" dirty="0"/>
@@ -12371,7 +13858,15 @@
           <a:p>
             <a:r>
               <a:rPr lang="ko-KR" altLang="en-US" dirty="0"/>
-              <a:t>자체 평가 의견</a:t>
+              <a:t>자체 평가 의견 </a:t>
+            </a:r>
+            <a:r>
+              <a:rPr lang="en-US" altLang="ko-KR" dirty="0"/>
+              <a:t>– </a:t>
+            </a:r>
+            <a:r>
+              <a:rPr lang="ko-KR" altLang="en-US" dirty="0"/>
+              <a:t>완성도</a:t>
             </a:r>
           </a:p>
         </p:txBody>
@@ -12398,8 +13893,8 @@
           <a:lstStyle/>
           <a:p>
             <a:r>
-              <a:rPr lang="ko-KR" altLang="en-US" dirty="0"/>
-              <a:t>완성도</a:t>
+              <a:rPr lang="ko-KR" altLang="en-US" dirty="0" err="1"/>
+              <a:t>박신환</a:t>
             </a:r>
             <a:r>
               <a:rPr lang="en-US" altLang="ko-KR" dirty="0"/>
@@ -12408,88 +13903,33 @@
           </a:p>
           <a:p>
             <a:r>
-              <a:rPr lang="ko-KR" altLang="en-US" dirty="0"/>
-              <a:t>잘한 부분</a:t>
+              <a:rPr lang="ko-KR" altLang="en-US" dirty="0" err="1"/>
+              <a:t>윤정빈</a:t>
             </a:r>
             <a:r>
               <a:rPr lang="en-US" altLang="ko-KR" dirty="0"/>
-              <a:t>: </a:t>
-            </a:r>
-            <a:r>
-              <a:rPr lang="ko-KR" altLang="en-US" dirty="0"/>
-              <a:t>각자 맡은 일 잘 해낸 것</a:t>
+              <a:t>: 8/10</a:t>
+            </a:r>
+          </a:p>
+          <a:p>
+            <a:r>
+              <a:rPr lang="ko-KR" altLang="en-US" dirty="0" err="1"/>
+              <a:t>이충민</a:t>
             </a:r>
             <a:r>
               <a:rPr lang="en-US" altLang="ko-KR" dirty="0"/>
-              <a:t>, </a:t>
-            </a:r>
-            <a:r>
-              <a:rPr lang="ko-KR" altLang="en-US" dirty="0"/>
-              <a:t>어려움이 있을 때 적극적으로 소통한 것</a:t>
-            </a:r>
-            <a:endParaRPr lang="en-US" altLang="ko-KR" dirty="0"/>
-          </a:p>
-          <a:p>
-            <a:r>
-              <a:rPr lang="ko-KR" altLang="en-US" dirty="0"/>
-              <a:t>아쉬운 점</a:t>
+              <a:t>: 7/10</a:t>
+            </a:r>
+          </a:p>
+          <a:p>
+            <a:r>
+              <a:rPr lang="ko-KR" altLang="en-US" dirty="0" err="1"/>
+              <a:t>손두혁</a:t>
             </a:r>
             <a:r>
               <a:rPr lang="en-US" altLang="ko-KR" dirty="0"/>
-              <a:t>: </a:t>
-            </a:r>
-            <a:r>
-              <a:rPr lang="ko-KR" altLang="en-US" dirty="0"/>
-              <a:t>각종 어려움으로 인해 진행 속도가 </a:t>
-            </a:r>
-            <a:r>
-              <a:rPr lang="ko-KR" altLang="en-US" dirty="0" err="1"/>
-              <a:t>느렸던</a:t>
-            </a:r>
-            <a:r>
-              <a:rPr lang="ko-KR" altLang="en-US" dirty="0"/>
-              <a:t> 것</a:t>
-            </a:r>
-            <a:endParaRPr lang="en-US" altLang="ko-KR" dirty="0"/>
-          </a:p>
-          <a:p>
-            <a:r>
-              <a:rPr lang="ko-KR" altLang="en-US" dirty="0"/>
-              <a:t>느낀 점</a:t>
-            </a:r>
-            <a:r>
-              <a:rPr lang="en-US" altLang="ko-KR" dirty="0"/>
-              <a:t>: </a:t>
-            </a:r>
-            <a:r>
-              <a:rPr lang="ko-KR" altLang="en-US" dirty="0"/>
-              <a:t>유니티의 기초를 잘 다져야 하다는 생각이 들었다</a:t>
-            </a:r>
-            <a:r>
-              <a:rPr lang="en-US" altLang="ko-KR" dirty="0"/>
-              <a:t>.</a:t>
-            </a:r>
-          </a:p>
-          <a:p>
-            <a:r>
-              <a:rPr lang="ko-KR" altLang="en-US" dirty="0"/>
-              <a:t>개선할 점</a:t>
-            </a:r>
-            <a:r>
-              <a:rPr lang="en-US" altLang="ko-KR"/>
-              <a:t>: </a:t>
-            </a:r>
-            <a:r>
-              <a:rPr lang="ko-KR" altLang="en-US"/>
-              <a:t>게임 </a:t>
-            </a:r>
-            <a:r>
-              <a:rPr lang="ko-KR" altLang="en-US" dirty="0"/>
-              <a:t>로직 최적화 등</a:t>
-            </a:r>
-            <a:endParaRPr lang="en-US" altLang="ko-KR" dirty="0"/>
-          </a:p>
-          <a:p>
+              <a:t>: 7/10</a:t>
+            </a:r>
             <a:endParaRPr lang="ko-KR" altLang="en-US" dirty="0"/>
           </a:p>
         </p:txBody>
@@ -12497,7 +13937,7 @@
     </p:spTree>
     <p:extLst>
       <p:ext uri="{BB962C8B-B14F-4D97-AF65-F5344CB8AC3E}">
-        <p14:creationId xmlns:p14="http://schemas.microsoft.com/office/powerpoint/2010/main" val="121622213"/>
+        <p14:creationId xmlns:p14="http://schemas.microsoft.com/office/powerpoint/2010/main" val="129260486"/>
       </p:ext>
     </p:extLst>
   </p:cSld>
